--- a/docs/Java Training Web.pptx
+++ b/docs/Java Training Web.pptx
@@ -18,13 +18,15 @@
     <p:sldId id="277" r:id="rId12"/>
     <p:sldId id="278" r:id="rId13"/>
     <p:sldId id="279" r:id="rId14"/>
-    <p:sldId id="281" r:id="rId15"/>
-    <p:sldId id="283" r:id="rId16"/>
-    <p:sldId id="285" r:id="rId17"/>
-    <p:sldId id="286" r:id="rId18"/>
-    <p:sldId id="287" r:id="rId19"/>
-    <p:sldId id="275" r:id="rId20"/>
-    <p:sldId id="288" r:id="rId21"/>
+    <p:sldId id="289" r:id="rId15"/>
+    <p:sldId id="290" r:id="rId16"/>
+    <p:sldId id="281" r:id="rId17"/>
+    <p:sldId id="283" r:id="rId18"/>
+    <p:sldId id="285" r:id="rId19"/>
+    <p:sldId id="286" r:id="rId20"/>
+    <p:sldId id="287" r:id="rId21"/>
+    <p:sldId id="275" r:id="rId22"/>
+    <p:sldId id="288" r:id="rId23"/>
   </p:sldIdLst>
   <p:sldSz cx="12193588" cy="6858000"/>
   <p:notesSz cx="7772400" cy="10058400"/>
@@ -123,6 +125,11 @@
       </a:defRPr>
     </a:lvl9pPr>
   </p:defaultTextStyle>
+  <p:extLst>
+    <p:ext uri="{EFAFB233-063F-42B5-8137-9DF3F51BA10A}">
+      <p15:sldGuideLst xmlns:p15="http://schemas.microsoft.com/office/powerpoint/2012/main"/>
+    </p:ext>
+  </p:extLst>
 </p:presentation>
 </file>
 
@@ -4501,7 +4508,7 @@
         <p:fade/>
       </p:transition>
     </mc:Choice>
-    <mc:Fallback xmlns:p15="http://schemas.microsoft.com/office/powerpoint/2012/main" xmlns="">
+    <mc:Fallback xmlns="" xmlns:p15="http://schemas.microsoft.com/office/powerpoint/2012/main">
       <p:transition spd="med">
         <p:fade/>
       </p:transition>
@@ -7772,6 +7779,2324 @@
               </a:tabLst>
             </a:pPr>
             <a:r>
+              <a:rPr lang="en-US" sz="4000" spc="-1" dirty="0" err="1">
+                <a:solidFill>
+                  <a:srgbClr val="FFFFFF"/>
+                </a:solidFill>
+                <a:latin typeface="Helvetica Neue Light"/>
+              </a:rPr>
+              <a:t>Jsp</a:t>
+            </a:r>
+            <a:r>
+              <a:rPr lang="en-US" sz="4000" spc="-1" dirty="0">
+                <a:solidFill>
+                  <a:srgbClr val="FFFFFF"/>
+                </a:solidFill>
+                <a:latin typeface="Helvetica Neue Light"/>
+              </a:rPr>
+              <a:t> (is another Servlet)</a:t>
+            </a:r>
+            <a:endParaRPr lang="fr-FR" sz="4000" b="0" strike="noStrike" spc="-1" dirty="0">
+              <a:latin typeface="Arial"/>
+            </a:endParaRPr>
+          </a:p>
+        </p:txBody>
+      </p:sp>
+      <p:sp>
+        <p:nvSpPr>
+          <p:cNvPr id="113" name="Rectangle 112"/>
+          <p:cNvSpPr/>
+          <p:nvPr/>
+        </p:nvSpPr>
+        <p:spPr>
+          <a:xfrm>
+            <a:off x="900000" y="2790000"/>
+            <a:ext cx="2398680" cy="1881000"/>
+          </a:xfrm>
+          <a:prstGeom prst="rect">
+            <a:avLst/>
+          </a:prstGeom>
+          <a:noFill/>
+          <a:ln w="0">
+            <a:noFill/>
+          </a:ln>
+        </p:spPr>
+        <p:style>
+          <a:lnRef idx="0">
+            <a:scrgbClr r="0" g="0" b="0"/>
+          </a:lnRef>
+          <a:fillRef idx="0">
+            <a:scrgbClr r="0" g="0" b="0"/>
+          </a:fillRef>
+          <a:effectRef idx="0">
+            <a:scrgbClr r="0" g="0" b="0"/>
+          </a:effectRef>
+          <a:fontRef idx="minor"/>
+        </p:style>
+      </p:sp>
+      <p:sp>
+        <p:nvSpPr>
+          <p:cNvPr id="9" name="Rectangle 8">
+            <a:extLst>
+              <a:ext uri="{FF2B5EF4-FFF2-40B4-BE49-F238E27FC236}">
+                <a16:creationId xmlns:a16="http://schemas.microsoft.com/office/drawing/2014/main" id="{BDB542B0-7B33-401F-86FE-4E679C3C1A02}"/>
+              </a:ext>
+            </a:extLst>
+          </p:cNvPr>
+          <p:cNvSpPr/>
+          <p:nvPr/>
+        </p:nvSpPr>
+        <p:spPr>
+          <a:xfrm>
+            <a:off x="596880" y="1629360"/>
+            <a:ext cx="8214120" cy="5007110"/>
+          </a:xfrm>
+          <a:prstGeom prst="rect">
+            <a:avLst/>
+          </a:prstGeom>
+          <a:solidFill>
+            <a:srgbClr val="333333"/>
+          </a:solidFill>
+          <a:ln w="0">
+            <a:solidFill>
+              <a:srgbClr val="3465A4"/>
+            </a:solidFill>
+          </a:ln>
+        </p:spPr>
+        <p:style>
+          <a:lnRef idx="0">
+            <a:scrgbClr r="0" g="0" b="0"/>
+          </a:lnRef>
+          <a:fillRef idx="0">
+            <a:scrgbClr r="0" g="0" b="0"/>
+          </a:fillRef>
+          <a:effectRef idx="0">
+            <a:scrgbClr r="0" g="0" b="0"/>
+          </a:effectRef>
+          <a:fontRef idx="minor"/>
+        </p:style>
+        <p:txBody>
+          <a:bodyPr wrap="none" lIns="90000" tIns="45000" rIns="90000" bIns="45000" anchor="ctr">
+            <a:noAutofit/>
+          </a:bodyPr>
+          <a:lstStyle/>
+          <a:p>
+            <a:endParaRPr lang="fr-FR" sz="2000" b="0" strike="noStrike" spc="-1" dirty="0">
+              <a:latin typeface="Arial"/>
+            </a:endParaRPr>
+          </a:p>
+        </p:txBody>
+      </p:sp>
+      <p:sp>
+        <p:nvSpPr>
+          <p:cNvPr id="3" name="Rectangle 1">
+            <a:extLst>
+              <a:ext uri="{FF2B5EF4-FFF2-40B4-BE49-F238E27FC236}">
+                <a16:creationId xmlns:a16="http://schemas.microsoft.com/office/drawing/2014/main" id="{6DAEE1B2-14B2-4382-96E5-A891DD8C985E}"/>
+              </a:ext>
+            </a:extLst>
+          </p:cNvPr>
+          <p:cNvSpPr>
+            <a:spLocks noChangeArrowheads="1"/>
+          </p:cNvSpPr>
+          <p:nvPr/>
+        </p:nvSpPr>
+        <p:spPr bwMode="auto">
+          <a:xfrm>
+            <a:off x="0" y="43934"/>
+            <a:ext cx="184731" cy="369332"/>
+          </a:xfrm>
+          <a:prstGeom prst="rect">
+            <a:avLst/>
+          </a:prstGeom>
+          <a:solidFill>
+            <a:srgbClr val="2B2B2B"/>
+          </a:solidFill>
+          <a:ln>
+            <a:noFill/>
+          </a:ln>
+          <a:effectLst/>
+          <a:extLst>
+            <a:ext uri="{91240B29-F687-4F45-9708-019B960494DF}">
+              <a14:hiddenLine xmlns:a14="http://schemas.microsoft.com/office/drawing/2010/main" w="9525">
+                <a:solidFill>
+                  <a:schemeClr val="tx1"/>
+                </a:solidFill>
+                <a:miter lim="800000"/>
+                <a:headEnd/>
+                <a:tailEnd/>
+              </a14:hiddenLine>
+            </a:ext>
+            <a:ext uri="{AF507438-7753-43E0-B8FC-AC1667EBCBE1}">
+              <a14:hiddenEffects xmlns:a14="http://schemas.microsoft.com/office/drawing/2010/main">
+                <a:effectLst>
+                  <a:outerShdw dist="35921" dir="2700000" algn="ctr" rotWithShape="0">
+                    <a:schemeClr val="bg2"/>
+                  </a:outerShdw>
+                </a:effectLst>
+              </a14:hiddenEffects>
+            </a:ext>
+          </a:extLst>
+        </p:spPr>
+        <p:txBody>
+          <a:bodyPr vert="horz" wrap="none" lIns="91440" tIns="45720" rIns="91440" bIns="45720" numCol="1" anchor="ctr" anchorCtr="0" compatLnSpc="1">
+            <a:prstTxWarp prst="textNoShape">
+              <a:avLst/>
+            </a:prstTxWarp>
+            <a:spAutoFit/>
+          </a:bodyPr>
+          <a:lstStyle/>
+          <a:p>
+            <a:pPr marL="0" marR="0" lvl="0" indent="0" algn="l" defTabSz="914400" rtl="0" eaLnBrk="0" fontAlgn="base" latinLnBrk="0" hangingPunct="0">
+              <a:lnSpc>
+                <a:spcPct val="100000"/>
+              </a:lnSpc>
+              <a:spcBef>
+                <a:spcPct val="0"/>
+              </a:spcBef>
+              <a:spcAft>
+                <a:spcPct val="0"/>
+              </a:spcAft>
+              <a:buClrTx/>
+              <a:buSzTx/>
+              <a:buFontTx/>
+              <a:buNone/>
+              <a:tabLst/>
+            </a:pPr>
+            <a:endParaRPr kumimoji="0" lang="fr-FR" altLang="fr-FR" sz="1800" b="0" i="0" u="none" strike="noStrike" cap="none" normalizeH="0" baseline="0" dirty="0">
+              <a:ln>
+                <a:noFill/>
+              </a:ln>
+              <a:solidFill>
+                <a:schemeClr val="tx1"/>
+              </a:solidFill>
+              <a:effectLst/>
+              <a:latin typeface="Arial" panose="020B0604020202020204" pitchFamily="34" charset="0"/>
+            </a:endParaRPr>
+          </a:p>
+        </p:txBody>
+      </p:sp>
+    </p:spTree>
+    <p:extLst>
+      <p:ext uri="{BB962C8B-B14F-4D97-AF65-F5344CB8AC3E}">
+        <p14:creationId xmlns:p14="http://schemas.microsoft.com/office/powerpoint/2010/main" val="1385414179"/>
+      </p:ext>
+    </p:extLst>
+  </p:cSld>
+  <p:clrMapOvr>
+    <a:masterClrMapping/>
+  </p:clrMapOvr>
+  <p:transition spd="slow">
+    <p:push/>
+  </p:transition>
+</p:sld>
+</file>
+
+<file path=ppt/slides/slide14.xml><?xml version="1.0" encoding="utf-8"?>
+<p:sld xmlns:a="http://schemas.openxmlformats.org/drawingml/2006/main" xmlns:r="http://schemas.openxmlformats.org/officeDocument/2006/relationships" xmlns:p="http://schemas.openxmlformats.org/presentationml/2006/main">
+  <p:cSld>
+    <p:spTree>
+      <p:nvGrpSpPr>
+        <p:cNvPr id="1" name=""/>
+        <p:cNvGrpSpPr/>
+        <p:nvPr/>
+      </p:nvGrpSpPr>
+      <p:grpSpPr>
+        <a:xfrm>
+          <a:off x="0" y="0"/>
+          <a:ext cx="0" cy="0"/>
+          <a:chOff x="0" y="0"/>
+          <a:chExt cx="0" cy="0"/>
+        </a:xfrm>
+      </p:grpSpPr>
+      <p:pic>
+        <p:nvPicPr>
+          <p:cNvPr id="108" name="Image 107"/>
+          <p:cNvPicPr/>
+          <p:nvPr/>
+        </p:nvPicPr>
+        <p:blipFill>
+          <a:blip r:embed="rId2"/>
+          <a:stretch/>
+        </p:blipFill>
+        <p:spPr>
+          <a:xfrm>
+            <a:off x="3960000" y="-5400"/>
+            <a:ext cx="8214120" cy="6844680"/>
+          </a:xfrm>
+          <a:prstGeom prst="rect">
+            <a:avLst/>
+          </a:prstGeom>
+          <a:ln w="0">
+            <a:noFill/>
+          </a:ln>
+        </p:spPr>
+      </p:pic>
+      <p:sp>
+        <p:nvSpPr>
+          <p:cNvPr id="109" name="Content Placeholder 2_12"/>
+          <p:cNvSpPr/>
+          <p:nvPr/>
+        </p:nvSpPr>
+        <p:spPr>
+          <a:xfrm>
+            <a:off x="19080" y="3960"/>
+            <a:ext cx="12174120" cy="6853680"/>
+          </a:xfrm>
+          <a:prstGeom prst="rect">
+            <a:avLst/>
+          </a:prstGeom>
+          <a:gradFill rotWithShape="0">
+            <a:gsLst>
+              <a:gs pos="45000">
+                <a:srgbClr val="000000"/>
+              </a:gs>
+              <a:gs pos="100000">
+                <a:srgbClr val="000000">
+                  <a:alpha val="0"/>
+                </a:srgbClr>
+              </a:gs>
+            </a:gsLst>
+            <a:lin ang="600000"/>
+          </a:gradFill>
+          <a:ln w="0">
+            <a:noFill/>
+          </a:ln>
+        </p:spPr>
+        <p:style>
+          <a:lnRef idx="0">
+            <a:scrgbClr r="0" g="0" b="0"/>
+          </a:lnRef>
+          <a:fillRef idx="0">
+            <a:scrgbClr r="0" g="0" b="0"/>
+          </a:fillRef>
+          <a:effectRef idx="0">
+            <a:scrgbClr r="0" g="0" b="0"/>
+          </a:effectRef>
+          <a:fontRef idx="minor"/>
+        </p:style>
+        <p:txBody>
+          <a:bodyPr/>
+          <a:lstStyle/>
+          <a:p>
+            <a:endParaRPr lang="fr-FR" dirty="0"/>
+          </a:p>
+        </p:txBody>
+      </p:sp>
+      <p:sp>
+        <p:nvSpPr>
+          <p:cNvPr id="110" name="Content Placeholder 3_13"/>
+          <p:cNvSpPr/>
+          <p:nvPr/>
+        </p:nvSpPr>
+        <p:spPr>
+          <a:xfrm>
+            <a:off x="609480" y="685800"/>
+            <a:ext cx="748080" cy="120960"/>
+          </a:xfrm>
+          <a:prstGeom prst="rect">
+            <a:avLst/>
+          </a:prstGeom>
+          <a:solidFill>
+            <a:srgbClr val="FFFFFF"/>
+          </a:solidFill>
+          <a:ln w="0">
+            <a:noFill/>
+          </a:ln>
+        </p:spPr>
+        <p:style>
+          <a:lnRef idx="0">
+            <a:scrgbClr r="0" g="0" b="0"/>
+          </a:lnRef>
+          <a:fillRef idx="0">
+            <a:scrgbClr r="0" g="0" b="0"/>
+          </a:fillRef>
+          <a:effectRef idx="0">
+            <a:scrgbClr r="0" g="0" b="0"/>
+          </a:effectRef>
+          <a:fontRef idx="minor"/>
+        </p:style>
+      </p:sp>
+      <p:sp>
+        <p:nvSpPr>
+          <p:cNvPr id="111" name="Title 4_13"/>
+          <p:cNvSpPr/>
+          <p:nvPr/>
+        </p:nvSpPr>
+        <p:spPr>
+          <a:xfrm>
+            <a:off x="596880" y="1789200"/>
+            <a:ext cx="6780600" cy="4190040"/>
+          </a:xfrm>
+          <a:prstGeom prst="rect">
+            <a:avLst/>
+          </a:prstGeom>
+          <a:noFill/>
+          <a:ln w="0">
+            <a:noFill/>
+          </a:ln>
+        </p:spPr>
+        <p:style>
+          <a:lnRef idx="0">
+            <a:scrgbClr r="0" g="0" b="0"/>
+          </a:lnRef>
+          <a:fillRef idx="0">
+            <a:scrgbClr r="0" g="0" b="0"/>
+          </a:fillRef>
+          <a:effectRef idx="0">
+            <a:scrgbClr r="0" g="0" b="0"/>
+          </a:effectRef>
+          <a:fontRef idx="minor"/>
+        </p:style>
+        <p:txBody>
+          <a:bodyPr lIns="0" tIns="0" rIns="0" bIns="0">
+            <a:noAutofit/>
+          </a:bodyPr>
+          <a:lstStyle/>
+          <a:p>
+            <a:pPr>
+              <a:lnSpc>
+                <a:spcPct val="85000"/>
+              </a:lnSpc>
+            </a:pPr>
+            <a:endParaRPr lang="fr-FR" sz="1800" b="0" strike="noStrike" spc="-1">
+              <a:latin typeface="Arial"/>
+            </a:endParaRPr>
+          </a:p>
+          <a:p>
+            <a:pPr>
+              <a:lnSpc>
+                <a:spcPct val="85000"/>
+              </a:lnSpc>
+            </a:pPr>
+            <a:endParaRPr lang="fr-FR" sz="1800" b="0" strike="noStrike" spc="-1">
+              <a:latin typeface="Arial"/>
+            </a:endParaRPr>
+          </a:p>
+        </p:txBody>
+      </p:sp>
+      <p:sp>
+        <p:nvSpPr>
+          <p:cNvPr id="112" name="Text Placeholder 5_13"/>
+          <p:cNvSpPr/>
+          <p:nvPr/>
+        </p:nvSpPr>
+        <p:spPr>
+          <a:xfrm>
+            <a:off x="540000" y="1016640"/>
+            <a:ext cx="10440000" cy="603360"/>
+          </a:xfrm>
+          <a:prstGeom prst="rect">
+            <a:avLst/>
+          </a:prstGeom>
+          <a:noFill/>
+          <a:ln w="0">
+            <a:noFill/>
+          </a:ln>
+        </p:spPr>
+        <p:style>
+          <a:lnRef idx="0">
+            <a:scrgbClr r="0" g="0" b="0"/>
+          </a:lnRef>
+          <a:fillRef idx="0">
+            <a:scrgbClr r="0" g="0" b="0"/>
+          </a:fillRef>
+          <a:effectRef idx="0">
+            <a:scrgbClr r="0" g="0" b="0"/>
+          </a:effectRef>
+          <a:fontRef idx="minor"/>
+        </p:style>
+        <p:txBody>
+          <a:bodyPr lIns="0" tIns="0" rIns="0" bIns="0">
+            <a:noAutofit/>
+          </a:bodyPr>
+          <a:lstStyle/>
+          <a:p>
+            <a:pPr>
+              <a:lnSpc>
+                <a:spcPct val="100000"/>
+              </a:lnSpc>
+              <a:spcBef>
+                <a:spcPts val="1001"/>
+              </a:spcBef>
+              <a:spcAft>
+                <a:spcPts val="1001"/>
+              </a:spcAft>
+              <a:tabLst>
+                <a:tab pos="0" algn="l"/>
+              </a:tabLst>
+            </a:pPr>
+            <a:r>
+              <a:rPr lang="en-US" sz="4000" spc="-1" dirty="0">
+                <a:solidFill>
+                  <a:srgbClr val="FFFFFF"/>
+                </a:solidFill>
+                <a:latin typeface="Helvetica Neue Light"/>
+              </a:rPr>
+              <a:t>JSF</a:t>
+            </a:r>
+            <a:endParaRPr lang="fr-FR" sz="4000" b="0" strike="noStrike" spc="-1" dirty="0">
+              <a:latin typeface="Arial"/>
+            </a:endParaRPr>
+          </a:p>
+        </p:txBody>
+      </p:sp>
+      <p:sp>
+        <p:nvSpPr>
+          <p:cNvPr id="113" name="Rectangle 112"/>
+          <p:cNvSpPr/>
+          <p:nvPr/>
+        </p:nvSpPr>
+        <p:spPr>
+          <a:xfrm>
+            <a:off x="900000" y="2790000"/>
+            <a:ext cx="2398680" cy="1881000"/>
+          </a:xfrm>
+          <a:prstGeom prst="rect">
+            <a:avLst/>
+          </a:prstGeom>
+          <a:noFill/>
+          <a:ln w="0">
+            <a:noFill/>
+          </a:ln>
+        </p:spPr>
+        <p:style>
+          <a:lnRef idx="0">
+            <a:scrgbClr r="0" g="0" b="0"/>
+          </a:lnRef>
+          <a:fillRef idx="0">
+            <a:scrgbClr r="0" g="0" b="0"/>
+          </a:fillRef>
+          <a:effectRef idx="0">
+            <a:scrgbClr r="0" g="0" b="0"/>
+          </a:effectRef>
+          <a:fontRef idx="minor"/>
+        </p:style>
+      </p:sp>
+      <p:sp>
+        <p:nvSpPr>
+          <p:cNvPr id="9" name="Rectangle 8">
+            <a:extLst>
+              <a:ext uri="{FF2B5EF4-FFF2-40B4-BE49-F238E27FC236}">
+                <a16:creationId xmlns:a16="http://schemas.microsoft.com/office/drawing/2014/main" id="{BDB542B0-7B33-401F-86FE-4E679C3C1A02}"/>
+              </a:ext>
+            </a:extLst>
+          </p:cNvPr>
+          <p:cNvSpPr/>
+          <p:nvPr/>
+        </p:nvSpPr>
+        <p:spPr>
+          <a:xfrm>
+            <a:off x="596880" y="1629360"/>
+            <a:ext cx="8214120" cy="5007110"/>
+          </a:xfrm>
+          <a:prstGeom prst="rect">
+            <a:avLst/>
+          </a:prstGeom>
+          <a:solidFill>
+            <a:srgbClr val="333333"/>
+          </a:solidFill>
+          <a:ln w="0">
+            <a:solidFill>
+              <a:srgbClr val="3465A4"/>
+            </a:solidFill>
+          </a:ln>
+        </p:spPr>
+        <p:style>
+          <a:lnRef idx="0">
+            <a:scrgbClr r="0" g="0" b="0"/>
+          </a:lnRef>
+          <a:fillRef idx="0">
+            <a:scrgbClr r="0" g="0" b="0"/>
+          </a:fillRef>
+          <a:effectRef idx="0">
+            <a:scrgbClr r="0" g="0" b="0"/>
+          </a:effectRef>
+          <a:fontRef idx="minor"/>
+        </p:style>
+        <p:txBody>
+          <a:bodyPr wrap="none" lIns="90000" tIns="45000" rIns="90000" bIns="45000" anchor="ctr">
+            <a:noAutofit/>
+          </a:bodyPr>
+          <a:lstStyle/>
+          <a:p>
+            <a:r>
+              <a:rPr lang="fr-FR" altLang="fr-FR" sz="1100" dirty="0">
+                <a:solidFill>
+                  <a:srgbClr val="E8BF6A"/>
+                </a:solidFill>
+                <a:latin typeface="JetBrains Mono"/>
+              </a:rPr>
+              <a:t>&lt;?</a:t>
+            </a:r>
+            <a:r>
+              <a:rPr lang="fr-FR" altLang="fr-FR" sz="1100" dirty="0">
+                <a:solidFill>
+                  <a:srgbClr val="BABABA"/>
+                </a:solidFill>
+                <a:latin typeface="JetBrains Mono"/>
+              </a:rPr>
+              <a:t>xml version</a:t>
+            </a:r>
+            <a:r>
+              <a:rPr lang="fr-FR" altLang="fr-FR" sz="1100" dirty="0">
+                <a:solidFill>
+                  <a:srgbClr val="6A8759"/>
+                </a:solidFill>
+                <a:latin typeface="JetBrains Mono"/>
+              </a:rPr>
+              <a:t>="1.0" </a:t>
+            </a:r>
+            <a:r>
+              <a:rPr lang="fr-FR" altLang="fr-FR" sz="1100" dirty="0" err="1">
+                <a:solidFill>
+                  <a:srgbClr val="BABABA"/>
+                </a:solidFill>
+                <a:latin typeface="JetBrains Mono"/>
+              </a:rPr>
+              <a:t>encoding</a:t>
+            </a:r>
+            <a:r>
+              <a:rPr lang="fr-FR" altLang="fr-FR" sz="1100" dirty="0">
+                <a:solidFill>
+                  <a:srgbClr val="6A8759"/>
+                </a:solidFill>
+                <a:latin typeface="JetBrains Mono"/>
+              </a:rPr>
+              <a:t>="UTF-8"</a:t>
+            </a:r>
+            <a:r>
+              <a:rPr lang="fr-FR" altLang="fr-FR" sz="1100" dirty="0">
+                <a:solidFill>
+                  <a:srgbClr val="E8BF6A"/>
+                </a:solidFill>
+                <a:latin typeface="JetBrains Mono"/>
+              </a:rPr>
+              <a:t>?&gt;</a:t>
+            </a:r>
+            <a:br>
+              <a:rPr lang="fr-FR" altLang="fr-FR" sz="1100" dirty="0">
+                <a:solidFill>
+                  <a:srgbClr val="E8BF6A"/>
+                </a:solidFill>
+                <a:latin typeface="JetBrains Mono"/>
+              </a:rPr>
+            </a:br>
+            <a:r>
+              <a:rPr lang="fr-FR" altLang="fr-FR" sz="1100" dirty="0">
+                <a:solidFill>
+                  <a:srgbClr val="E8BF6A"/>
+                </a:solidFill>
+                <a:latin typeface="JetBrains Mono"/>
+              </a:rPr>
+              <a:t>&lt;!DOCTYPE </a:t>
+            </a:r>
+            <a:r>
+              <a:rPr lang="fr-FR" altLang="fr-FR" sz="1100" dirty="0">
+                <a:solidFill>
+                  <a:srgbClr val="BABABA"/>
+                </a:solidFill>
+                <a:latin typeface="JetBrains Mono"/>
+              </a:rPr>
+              <a:t>html </a:t>
+            </a:r>
+            <a:r>
+              <a:rPr lang="fr-FR" altLang="fr-FR" sz="1100" dirty="0">
+                <a:solidFill>
+                  <a:srgbClr val="E8BF6A"/>
+                </a:solidFill>
+                <a:latin typeface="JetBrains Mono"/>
+              </a:rPr>
+              <a:t>PUBLIC </a:t>
+            </a:r>
+            <a:r>
+              <a:rPr lang="fr-FR" altLang="fr-FR" sz="1100" dirty="0">
+                <a:solidFill>
+                  <a:srgbClr val="6A8759"/>
+                </a:solidFill>
+                <a:latin typeface="JetBrains Mono"/>
+              </a:rPr>
+              <a:t>"-//W3C//DTD XHTML 1.0 </a:t>
+            </a:r>
+            <a:r>
+              <a:rPr lang="fr-FR" altLang="fr-FR" sz="1100" dirty="0" err="1">
+                <a:solidFill>
+                  <a:srgbClr val="6A8759"/>
+                </a:solidFill>
+                <a:latin typeface="JetBrains Mono"/>
+              </a:rPr>
+              <a:t>Transitional</a:t>
+            </a:r>
+            <a:r>
+              <a:rPr lang="fr-FR" altLang="fr-FR" sz="1100" dirty="0">
+                <a:solidFill>
+                  <a:srgbClr val="6A8759"/>
+                </a:solidFill>
+                <a:latin typeface="JetBrains Mono"/>
+              </a:rPr>
+              <a:t>//EN"</a:t>
+            </a:r>
+            <a:br>
+              <a:rPr lang="fr-FR" altLang="fr-FR" sz="1100" dirty="0">
+                <a:solidFill>
+                  <a:srgbClr val="6A8759"/>
+                </a:solidFill>
+                <a:latin typeface="JetBrains Mono"/>
+              </a:rPr>
+            </a:br>
+            <a:r>
+              <a:rPr lang="fr-FR" altLang="fr-FR" sz="1100" dirty="0">
+                <a:solidFill>
+                  <a:srgbClr val="6A8759"/>
+                </a:solidFill>
+                <a:latin typeface="JetBrains Mono"/>
+              </a:rPr>
+              <a:t>        "http://www.w3.org/TR/xhtml1/DTD/xhtml1-transitional.dtd"</a:t>
+            </a:r>
+            <a:r>
+              <a:rPr lang="fr-FR" altLang="fr-FR" sz="1100" dirty="0">
+                <a:solidFill>
+                  <a:srgbClr val="E8BF6A"/>
+                </a:solidFill>
+                <a:latin typeface="JetBrains Mono"/>
+              </a:rPr>
+              <a:t>&gt;</a:t>
+            </a:r>
+            <a:br>
+              <a:rPr lang="fr-FR" altLang="fr-FR" sz="1100" dirty="0">
+                <a:solidFill>
+                  <a:srgbClr val="E8BF6A"/>
+                </a:solidFill>
+                <a:latin typeface="JetBrains Mono"/>
+              </a:rPr>
+            </a:br>
+            <a:r>
+              <a:rPr lang="fr-FR" altLang="fr-FR" sz="1100" dirty="0">
+                <a:solidFill>
+                  <a:srgbClr val="E8BF6A"/>
+                </a:solidFill>
+                <a:latin typeface="JetBrains Mono"/>
+              </a:rPr>
+              <a:t>&lt;html </a:t>
+            </a:r>
+            <a:r>
+              <a:rPr lang="fr-FR" altLang="fr-FR" sz="1100" dirty="0" err="1">
+                <a:solidFill>
+                  <a:srgbClr val="BABABA"/>
+                </a:solidFill>
+                <a:latin typeface="JetBrains Mono"/>
+              </a:rPr>
+              <a:t>xmlns</a:t>
+            </a:r>
+            <a:r>
+              <a:rPr lang="fr-FR" altLang="fr-FR" sz="1100" dirty="0">
+                <a:solidFill>
+                  <a:srgbClr val="6A8759"/>
+                </a:solidFill>
+                <a:latin typeface="JetBrains Mono"/>
+              </a:rPr>
+              <a:t>="http://www.w3.org/1999/xhtml"</a:t>
+            </a:r>
+            <a:br>
+              <a:rPr lang="fr-FR" altLang="fr-FR" sz="1100" dirty="0">
+                <a:solidFill>
+                  <a:srgbClr val="6A8759"/>
+                </a:solidFill>
+                <a:latin typeface="JetBrains Mono"/>
+              </a:rPr>
+            </a:br>
+            <a:r>
+              <a:rPr lang="fr-FR" altLang="fr-FR" sz="1100" dirty="0">
+                <a:solidFill>
+                  <a:srgbClr val="6A8759"/>
+                </a:solidFill>
+                <a:latin typeface="JetBrains Mono"/>
+              </a:rPr>
+              <a:t>      </a:t>
+            </a:r>
+            <a:r>
+              <a:rPr lang="fr-FR" altLang="fr-FR" sz="1100" dirty="0" err="1">
+                <a:solidFill>
+                  <a:srgbClr val="BABABA"/>
+                </a:solidFill>
+                <a:latin typeface="JetBrains Mono"/>
+              </a:rPr>
+              <a:t>xmlns:</a:t>
+            </a:r>
+            <a:r>
+              <a:rPr lang="fr-FR" altLang="fr-FR" sz="1100" dirty="0" err="1">
+                <a:solidFill>
+                  <a:srgbClr val="9876AA"/>
+                </a:solidFill>
+                <a:latin typeface="JetBrains Mono"/>
+              </a:rPr>
+              <a:t>h</a:t>
+            </a:r>
+            <a:r>
+              <a:rPr lang="fr-FR" altLang="fr-FR" sz="1100" dirty="0">
+                <a:solidFill>
+                  <a:srgbClr val="6A8759"/>
+                </a:solidFill>
+                <a:latin typeface="JetBrains Mono"/>
+              </a:rPr>
+              <a:t>="http://xmlns.jcp.org/</a:t>
+            </a:r>
+            <a:r>
+              <a:rPr lang="fr-FR" altLang="fr-FR" sz="1100" dirty="0" err="1">
+                <a:solidFill>
+                  <a:srgbClr val="6A8759"/>
+                </a:solidFill>
+                <a:latin typeface="JetBrains Mono"/>
+              </a:rPr>
+              <a:t>jsf</a:t>
+            </a:r>
+            <a:r>
+              <a:rPr lang="fr-FR" altLang="fr-FR" sz="1100" dirty="0">
+                <a:solidFill>
+                  <a:srgbClr val="6A8759"/>
+                </a:solidFill>
+                <a:latin typeface="JetBrains Mono"/>
+              </a:rPr>
+              <a:t>/html"</a:t>
+            </a:r>
+            <a:br>
+              <a:rPr lang="fr-FR" altLang="fr-FR" sz="1100" dirty="0">
+                <a:solidFill>
+                  <a:srgbClr val="6A8759"/>
+                </a:solidFill>
+                <a:latin typeface="JetBrains Mono"/>
+              </a:rPr>
+            </a:br>
+            <a:r>
+              <a:rPr lang="fr-FR" altLang="fr-FR" sz="1100" dirty="0">
+                <a:solidFill>
+                  <a:srgbClr val="6A8759"/>
+                </a:solidFill>
+                <a:latin typeface="JetBrains Mono"/>
+              </a:rPr>
+              <a:t>      </a:t>
+            </a:r>
+            <a:r>
+              <a:rPr lang="fr-FR" altLang="fr-FR" sz="1100" dirty="0" err="1">
+                <a:solidFill>
+                  <a:srgbClr val="BABABA"/>
+                </a:solidFill>
+                <a:latin typeface="JetBrains Mono"/>
+              </a:rPr>
+              <a:t>xmlns:</a:t>
+            </a:r>
+            <a:r>
+              <a:rPr lang="fr-FR" altLang="fr-FR" sz="1100" dirty="0" err="1">
+                <a:solidFill>
+                  <a:srgbClr val="9876AA"/>
+                </a:solidFill>
+                <a:latin typeface="JetBrains Mono"/>
+              </a:rPr>
+              <a:t>ui</a:t>
+            </a:r>
+            <a:r>
+              <a:rPr lang="fr-FR" altLang="fr-FR" sz="1100" dirty="0">
+                <a:solidFill>
+                  <a:srgbClr val="6A8759"/>
+                </a:solidFill>
+                <a:latin typeface="JetBrains Mono"/>
+              </a:rPr>
+              <a:t>="http://xmlns.jcp.org/</a:t>
+            </a:r>
+            <a:r>
+              <a:rPr lang="fr-FR" altLang="fr-FR" sz="1100" dirty="0" err="1">
+                <a:solidFill>
+                  <a:srgbClr val="6A8759"/>
+                </a:solidFill>
+                <a:latin typeface="JetBrains Mono"/>
+              </a:rPr>
+              <a:t>jsf</a:t>
+            </a:r>
+            <a:r>
+              <a:rPr lang="fr-FR" altLang="fr-FR" sz="1100" dirty="0">
+                <a:solidFill>
+                  <a:srgbClr val="6A8759"/>
+                </a:solidFill>
+                <a:latin typeface="JetBrains Mono"/>
+              </a:rPr>
+              <a:t>/</a:t>
+            </a:r>
+            <a:r>
+              <a:rPr lang="fr-FR" altLang="fr-FR" sz="1100" dirty="0" err="1">
+                <a:solidFill>
+                  <a:srgbClr val="6A8759"/>
+                </a:solidFill>
+                <a:latin typeface="JetBrains Mono"/>
+              </a:rPr>
+              <a:t>facelets</a:t>
+            </a:r>
+            <a:r>
+              <a:rPr lang="fr-FR" altLang="fr-FR" sz="1100" dirty="0">
+                <a:solidFill>
+                  <a:srgbClr val="6A8759"/>
+                </a:solidFill>
+                <a:latin typeface="JetBrains Mono"/>
+              </a:rPr>
+              <a:t>"</a:t>
+            </a:r>
+            <a:br>
+              <a:rPr lang="fr-FR" altLang="fr-FR" sz="1100" dirty="0">
+                <a:solidFill>
+                  <a:srgbClr val="6A8759"/>
+                </a:solidFill>
+                <a:latin typeface="JetBrains Mono"/>
+              </a:rPr>
+            </a:br>
+            <a:r>
+              <a:rPr lang="fr-FR" altLang="fr-FR" sz="1100" dirty="0">
+                <a:solidFill>
+                  <a:srgbClr val="6A8759"/>
+                </a:solidFill>
+                <a:latin typeface="JetBrains Mono"/>
+              </a:rPr>
+              <a:t>      </a:t>
+            </a:r>
+            <a:r>
+              <a:rPr lang="fr-FR" altLang="fr-FR" sz="1100" dirty="0" err="1">
+                <a:solidFill>
+                  <a:srgbClr val="BABABA"/>
+                </a:solidFill>
+                <a:latin typeface="JetBrains Mono"/>
+              </a:rPr>
+              <a:t>xmlns:</a:t>
+            </a:r>
+            <a:r>
+              <a:rPr lang="fr-FR" altLang="fr-FR" sz="1100" dirty="0" err="1">
+                <a:solidFill>
+                  <a:srgbClr val="9876AA"/>
+                </a:solidFill>
+                <a:latin typeface="JetBrains Mono"/>
+              </a:rPr>
+              <a:t>f</a:t>
+            </a:r>
+            <a:r>
+              <a:rPr lang="fr-FR" altLang="fr-FR" sz="1100" dirty="0">
+                <a:solidFill>
+                  <a:srgbClr val="6A8759"/>
+                </a:solidFill>
+                <a:latin typeface="JetBrains Mono"/>
+              </a:rPr>
+              <a:t>="http://xmlns.jcp.org/</a:t>
+            </a:r>
+            <a:r>
+              <a:rPr lang="fr-FR" altLang="fr-FR" sz="1100" dirty="0" err="1">
+                <a:solidFill>
+                  <a:srgbClr val="6A8759"/>
+                </a:solidFill>
+                <a:latin typeface="JetBrains Mono"/>
+              </a:rPr>
+              <a:t>jsf</a:t>
+            </a:r>
+            <a:r>
+              <a:rPr lang="fr-FR" altLang="fr-FR" sz="1100" dirty="0">
+                <a:solidFill>
+                  <a:srgbClr val="6A8759"/>
+                </a:solidFill>
+                <a:latin typeface="JetBrains Mono"/>
+              </a:rPr>
+              <a:t>/</a:t>
+            </a:r>
+            <a:r>
+              <a:rPr lang="fr-FR" altLang="fr-FR" sz="1100" dirty="0" err="1">
+                <a:solidFill>
+                  <a:srgbClr val="6A8759"/>
+                </a:solidFill>
+                <a:latin typeface="JetBrains Mono"/>
+              </a:rPr>
+              <a:t>core</a:t>
+            </a:r>
+            <a:r>
+              <a:rPr lang="fr-FR" altLang="fr-FR" sz="1100" dirty="0">
+                <a:solidFill>
+                  <a:srgbClr val="6A8759"/>
+                </a:solidFill>
+                <a:latin typeface="JetBrains Mono"/>
+              </a:rPr>
+              <a:t>"</a:t>
+            </a:r>
+            <a:r>
+              <a:rPr lang="fr-FR" altLang="fr-FR" sz="1100" dirty="0">
+                <a:solidFill>
+                  <a:srgbClr val="E8BF6A"/>
+                </a:solidFill>
+                <a:latin typeface="JetBrains Mono"/>
+              </a:rPr>
+              <a:t>&gt;</a:t>
+            </a:r>
+            <a:br>
+              <a:rPr lang="fr-FR" altLang="fr-FR" sz="1100" dirty="0">
+                <a:solidFill>
+                  <a:srgbClr val="E8BF6A"/>
+                </a:solidFill>
+                <a:latin typeface="JetBrains Mono"/>
+              </a:rPr>
+            </a:br>
+            <a:r>
+              <a:rPr lang="fr-FR" altLang="fr-FR" sz="1100" dirty="0">
+                <a:solidFill>
+                  <a:srgbClr val="E8BF6A"/>
+                </a:solidFill>
+                <a:latin typeface="JetBrains Mono"/>
+              </a:rPr>
+              <a:t>&lt;</a:t>
+            </a:r>
+            <a:r>
+              <a:rPr lang="fr-FR" altLang="fr-FR" sz="1100" dirty="0" err="1">
+                <a:solidFill>
+                  <a:srgbClr val="E8BF6A"/>
+                </a:solidFill>
+                <a:latin typeface="JetBrains Mono"/>
+              </a:rPr>
+              <a:t>f:view</a:t>
+            </a:r>
+            <a:r>
+              <a:rPr lang="fr-FR" altLang="fr-FR" sz="1100" dirty="0">
+                <a:solidFill>
+                  <a:srgbClr val="E8BF6A"/>
+                </a:solidFill>
+                <a:latin typeface="JetBrains Mono"/>
+              </a:rPr>
+              <a:t>&gt;</a:t>
+            </a:r>
+            <a:br>
+              <a:rPr lang="fr-FR" altLang="fr-FR" sz="1100" dirty="0">
+                <a:solidFill>
+                  <a:srgbClr val="E8BF6A"/>
+                </a:solidFill>
+                <a:latin typeface="JetBrains Mono"/>
+              </a:rPr>
+            </a:br>
+            <a:r>
+              <a:rPr lang="fr-FR" altLang="fr-FR" sz="1100" dirty="0">
+                <a:solidFill>
+                  <a:srgbClr val="E8BF6A"/>
+                </a:solidFill>
+                <a:latin typeface="JetBrains Mono"/>
+              </a:rPr>
+              <a:t>    &lt;</a:t>
+            </a:r>
+            <a:r>
+              <a:rPr lang="fr-FR" altLang="fr-FR" sz="1100" dirty="0" err="1">
+                <a:solidFill>
+                  <a:srgbClr val="E8BF6A"/>
+                </a:solidFill>
+                <a:latin typeface="JetBrains Mono"/>
+              </a:rPr>
+              <a:t>h:outputLabel</a:t>
+            </a:r>
+            <a:r>
+              <a:rPr lang="fr-FR" altLang="fr-FR" sz="1100" dirty="0">
+                <a:solidFill>
+                  <a:srgbClr val="E8BF6A"/>
+                </a:solidFill>
+                <a:latin typeface="JetBrains Mono"/>
+              </a:rPr>
+              <a:t> </a:t>
+            </a:r>
+            <a:r>
+              <a:rPr lang="fr-FR" altLang="fr-FR" sz="1100" dirty="0">
+                <a:solidFill>
+                  <a:srgbClr val="BABABA"/>
+                </a:solidFill>
+                <a:latin typeface="JetBrains Mono"/>
+              </a:rPr>
+              <a:t>value</a:t>
+            </a:r>
+            <a:r>
+              <a:rPr lang="fr-FR" altLang="fr-FR" sz="1100" dirty="0">
+                <a:solidFill>
+                  <a:srgbClr val="6A8759"/>
+                </a:solidFill>
+                <a:latin typeface="JetBrains Mono"/>
+              </a:rPr>
+              <a:t>="Hello, world"</a:t>
+            </a:r>
+            <a:r>
+              <a:rPr lang="fr-FR" altLang="fr-FR" sz="1100" dirty="0">
+                <a:solidFill>
+                  <a:srgbClr val="E8BF6A"/>
+                </a:solidFill>
+                <a:latin typeface="JetBrains Mono"/>
+              </a:rPr>
+              <a:t>/&gt;</a:t>
+            </a:r>
+            <a:br>
+              <a:rPr lang="fr-FR" altLang="fr-FR" sz="1100" dirty="0">
+                <a:solidFill>
+                  <a:srgbClr val="E8BF6A"/>
+                </a:solidFill>
+                <a:latin typeface="JetBrains Mono"/>
+              </a:rPr>
+            </a:br>
+            <a:br>
+              <a:rPr lang="fr-FR" altLang="fr-FR" sz="1100" dirty="0">
+                <a:solidFill>
+                  <a:srgbClr val="E8BF6A"/>
+                </a:solidFill>
+                <a:latin typeface="JetBrains Mono"/>
+              </a:rPr>
+            </a:br>
+            <a:r>
+              <a:rPr lang="fr-FR" altLang="fr-FR" sz="1100" dirty="0">
+                <a:solidFill>
+                  <a:srgbClr val="E8BF6A"/>
+                </a:solidFill>
+                <a:latin typeface="JetBrains Mono"/>
+              </a:rPr>
+              <a:t>   &lt;</a:t>
+            </a:r>
+            <a:r>
+              <a:rPr lang="fr-FR" altLang="fr-FR" sz="1100" dirty="0" err="1">
+                <a:solidFill>
+                  <a:srgbClr val="E8BF6A"/>
+                </a:solidFill>
+                <a:latin typeface="JetBrains Mono"/>
+              </a:rPr>
+              <a:t>h:dataTable</a:t>
+            </a:r>
+            <a:r>
+              <a:rPr lang="fr-FR" altLang="fr-FR" sz="1100" dirty="0">
+                <a:solidFill>
+                  <a:srgbClr val="E8BF6A"/>
+                </a:solidFill>
+                <a:latin typeface="JetBrains Mono"/>
+              </a:rPr>
+              <a:t> </a:t>
+            </a:r>
+            <a:r>
+              <a:rPr lang="fr-FR" altLang="fr-FR" sz="1100" dirty="0">
+                <a:solidFill>
+                  <a:srgbClr val="BABABA"/>
+                </a:solidFill>
+                <a:latin typeface="JetBrains Mono"/>
+              </a:rPr>
+              <a:t>value</a:t>
+            </a:r>
+            <a:r>
+              <a:rPr lang="fr-FR" altLang="fr-FR" sz="1100" dirty="0">
+                <a:solidFill>
+                  <a:srgbClr val="6A8759"/>
+                </a:solidFill>
+                <a:latin typeface="JetBrains Mono"/>
+              </a:rPr>
+              <a:t>="</a:t>
+            </a:r>
+            <a:r>
+              <a:rPr lang="fr-FR" altLang="fr-FR" sz="1100" dirty="0">
+                <a:solidFill>
+                  <a:srgbClr val="CC7832"/>
+                </a:solidFill>
+                <a:latin typeface="JetBrains Mono"/>
+              </a:rPr>
+              <a:t>#{</a:t>
+            </a:r>
+            <a:r>
+              <a:rPr lang="fr-FR" altLang="fr-FR" sz="1100" dirty="0" err="1">
+                <a:solidFill>
+                  <a:srgbClr val="A9B7C6"/>
+                </a:solidFill>
+                <a:latin typeface="JetBrains Mono"/>
+              </a:rPr>
+              <a:t>order.orderList</a:t>
+            </a:r>
+            <a:r>
+              <a:rPr lang="fr-FR" altLang="fr-FR" sz="1100" dirty="0">
+                <a:solidFill>
+                  <a:srgbClr val="CC7832"/>
+                </a:solidFill>
+                <a:latin typeface="JetBrains Mono"/>
+              </a:rPr>
+              <a:t>}</a:t>
+            </a:r>
+            <a:r>
+              <a:rPr lang="fr-FR" altLang="fr-FR" sz="1100" dirty="0">
+                <a:solidFill>
+                  <a:srgbClr val="6A8759"/>
+                </a:solidFill>
+                <a:latin typeface="JetBrains Mono"/>
+              </a:rPr>
+              <a:t>" </a:t>
+            </a:r>
+            <a:r>
+              <a:rPr lang="fr-FR" altLang="fr-FR" sz="1100" dirty="0">
+                <a:solidFill>
+                  <a:srgbClr val="BABABA"/>
+                </a:solidFill>
+                <a:latin typeface="JetBrains Mono"/>
+              </a:rPr>
+              <a:t>var</a:t>
+            </a:r>
+            <a:r>
+              <a:rPr lang="fr-FR" altLang="fr-FR" sz="1100" dirty="0">
+                <a:solidFill>
+                  <a:srgbClr val="6A8759"/>
+                </a:solidFill>
+                <a:latin typeface="JetBrains Mono"/>
+              </a:rPr>
+              <a:t>="o"</a:t>
+            </a:r>
+            <a:br>
+              <a:rPr lang="fr-FR" altLang="fr-FR" sz="1100" dirty="0">
+                <a:solidFill>
+                  <a:srgbClr val="6A8759"/>
+                </a:solidFill>
+                <a:latin typeface="JetBrains Mono"/>
+              </a:rPr>
+            </a:br>
+            <a:r>
+              <a:rPr lang="fr-FR" altLang="fr-FR" sz="1100" dirty="0">
+                <a:solidFill>
+                  <a:srgbClr val="6A8759"/>
+                </a:solidFill>
+                <a:latin typeface="JetBrains Mono"/>
+              </a:rPr>
+              <a:t>                </a:t>
+            </a:r>
+            <a:r>
+              <a:rPr lang="fr-FR" altLang="fr-FR" sz="1100" dirty="0" err="1">
+                <a:solidFill>
+                  <a:srgbClr val="BABABA"/>
+                </a:solidFill>
+                <a:latin typeface="JetBrains Mono"/>
+              </a:rPr>
+              <a:t>styleClass</a:t>
+            </a:r>
+            <a:r>
+              <a:rPr lang="fr-FR" altLang="fr-FR" sz="1100" dirty="0">
+                <a:solidFill>
+                  <a:srgbClr val="6A8759"/>
+                </a:solidFill>
+                <a:latin typeface="JetBrains Mono"/>
+              </a:rPr>
+              <a:t>="</a:t>
+            </a:r>
+            <a:r>
+              <a:rPr lang="fr-FR" altLang="fr-FR" sz="1100" dirty="0" err="1">
+                <a:solidFill>
+                  <a:srgbClr val="6A8759"/>
+                </a:solidFill>
+                <a:latin typeface="JetBrains Mono"/>
+              </a:rPr>
+              <a:t>order</a:t>
+            </a:r>
+            <a:r>
+              <a:rPr lang="fr-FR" altLang="fr-FR" sz="1100" dirty="0">
+                <a:solidFill>
+                  <a:srgbClr val="6A8759"/>
+                </a:solidFill>
+                <a:latin typeface="JetBrains Mono"/>
+              </a:rPr>
+              <a:t>-table"</a:t>
+            </a:r>
+            <a:br>
+              <a:rPr lang="fr-FR" altLang="fr-FR" sz="1100" dirty="0">
+                <a:solidFill>
+                  <a:srgbClr val="6A8759"/>
+                </a:solidFill>
+                <a:latin typeface="JetBrains Mono"/>
+              </a:rPr>
+            </a:br>
+            <a:r>
+              <a:rPr lang="fr-FR" altLang="fr-FR" sz="1100" dirty="0">
+                <a:solidFill>
+                  <a:srgbClr val="6A8759"/>
+                </a:solidFill>
+                <a:latin typeface="JetBrains Mono"/>
+              </a:rPr>
+              <a:t>                </a:t>
+            </a:r>
+            <a:r>
+              <a:rPr lang="fr-FR" altLang="fr-FR" sz="1100" dirty="0" err="1">
+                <a:solidFill>
+                  <a:srgbClr val="BABABA"/>
+                </a:solidFill>
+                <a:latin typeface="JetBrains Mono"/>
+              </a:rPr>
+              <a:t>headerClass</a:t>
+            </a:r>
+            <a:r>
+              <a:rPr lang="fr-FR" altLang="fr-FR" sz="1100" dirty="0">
+                <a:solidFill>
+                  <a:srgbClr val="6A8759"/>
+                </a:solidFill>
+                <a:latin typeface="JetBrains Mono"/>
+              </a:rPr>
+              <a:t>="</a:t>
+            </a:r>
+            <a:r>
+              <a:rPr lang="fr-FR" altLang="fr-FR" sz="1100" dirty="0" err="1">
+                <a:solidFill>
+                  <a:srgbClr val="6A8759"/>
+                </a:solidFill>
+                <a:latin typeface="JetBrains Mono"/>
+              </a:rPr>
+              <a:t>order</a:t>
+            </a:r>
+            <a:r>
+              <a:rPr lang="fr-FR" altLang="fr-FR" sz="1100" dirty="0">
+                <a:solidFill>
+                  <a:srgbClr val="6A8759"/>
+                </a:solidFill>
+                <a:latin typeface="JetBrains Mono"/>
+              </a:rPr>
+              <a:t>-table-header"</a:t>
+            </a:r>
+            <a:br>
+              <a:rPr lang="fr-FR" altLang="fr-FR" sz="1100" dirty="0">
+                <a:solidFill>
+                  <a:srgbClr val="6A8759"/>
+                </a:solidFill>
+                <a:latin typeface="JetBrains Mono"/>
+              </a:rPr>
+            </a:br>
+            <a:r>
+              <a:rPr lang="fr-FR" altLang="fr-FR" sz="1100" dirty="0">
+                <a:solidFill>
+                  <a:srgbClr val="6A8759"/>
+                </a:solidFill>
+                <a:latin typeface="JetBrains Mono"/>
+              </a:rPr>
+              <a:t>                </a:t>
+            </a:r>
+            <a:r>
+              <a:rPr lang="fr-FR" altLang="fr-FR" sz="1100" dirty="0" err="1">
+                <a:solidFill>
+                  <a:srgbClr val="BABABA"/>
+                </a:solidFill>
+                <a:latin typeface="JetBrains Mono"/>
+              </a:rPr>
+              <a:t>rowClasses</a:t>
+            </a:r>
+            <a:r>
+              <a:rPr lang="fr-FR" altLang="fr-FR" sz="1100" dirty="0">
+                <a:solidFill>
+                  <a:srgbClr val="6A8759"/>
+                </a:solidFill>
+                <a:latin typeface="JetBrains Mono"/>
+              </a:rPr>
+              <a:t>="</a:t>
+            </a:r>
+            <a:r>
+              <a:rPr lang="fr-FR" altLang="fr-FR" sz="1100" dirty="0" err="1">
+                <a:solidFill>
+                  <a:srgbClr val="6A8759"/>
+                </a:solidFill>
+                <a:latin typeface="JetBrains Mono"/>
+              </a:rPr>
+              <a:t>order</a:t>
+            </a:r>
+            <a:r>
+              <a:rPr lang="fr-FR" altLang="fr-FR" sz="1100" dirty="0">
+                <a:solidFill>
+                  <a:srgbClr val="6A8759"/>
+                </a:solidFill>
+                <a:latin typeface="JetBrains Mono"/>
+              </a:rPr>
+              <a:t>-table-</a:t>
+            </a:r>
+            <a:r>
+              <a:rPr lang="fr-FR" altLang="fr-FR" sz="1100" dirty="0" err="1">
+                <a:solidFill>
+                  <a:srgbClr val="6A8759"/>
+                </a:solidFill>
+                <a:latin typeface="JetBrains Mono"/>
+              </a:rPr>
+              <a:t>odd</a:t>
+            </a:r>
+            <a:r>
+              <a:rPr lang="fr-FR" altLang="fr-FR" sz="1100" dirty="0">
+                <a:solidFill>
+                  <a:srgbClr val="6A8759"/>
+                </a:solidFill>
+                <a:latin typeface="JetBrains Mono"/>
+              </a:rPr>
+              <a:t>-</a:t>
+            </a:r>
+            <a:r>
+              <a:rPr lang="fr-FR" altLang="fr-FR" sz="1100" dirty="0" err="1">
+                <a:solidFill>
+                  <a:srgbClr val="6A8759"/>
+                </a:solidFill>
+                <a:latin typeface="JetBrains Mono"/>
+              </a:rPr>
+              <a:t>row,order</a:t>
+            </a:r>
+            <a:r>
+              <a:rPr lang="fr-FR" altLang="fr-FR" sz="1100" dirty="0">
+                <a:solidFill>
+                  <a:srgbClr val="6A8759"/>
+                </a:solidFill>
+                <a:latin typeface="JetBrains Mono"/>
+              </a:rPr>
+              <a:t>-table-</a:t>
+            </a:r>
+            <a:r>
+              <a:rPr lang="fr-FR" altLang="fr-FR" sz="1100" dirty="0" err="1">
+                <a:solidFill>
+                  <a:srgbClr val="6A8759"/>
+                </a:solidFill>
+                <a:latin typeface="JetBrains Mono"/>
+              </a:rPr>
+              <a:t>even</a:t>
+            </a:r>
+            <a:r>
+              <a:rPr lang="fr-FR" altLang="fr-FR" sz="1100" dirty="0">
+                <a:solidFill>
+                  <a:srgbClr val="6A8759"/>
+                </a:solidFill>
+                <a:latin typeface="JetBrains Mono"/>
+              </a:rPr>
+              <a:t>-</a:t>
+            </a:r>
+            <a:r>
+              <a:rPr lang="fr-FR" altLang="fr-FR" sz="1100" dirty="0" err="1">
+                <a:solidFill>
+                  <a:srgbClr val="6A8759"/>
+                </a:solidFill>
+                <a:latin typeface="JetBrains Mono"/>
+              </a:rPr>
+              <a:t>row</a:t>
+            </a:r>
+            <a:r>
+              <a:rPr lang="fr-FR" altLang="fr-FR" sz="1100" dirty="0">
+                <a:solidFill>
+                  <a:srgbClr val="6A8759"/>
+                </a:solidFill>
+                <a:latin typeface="JetBrains Mono"/>
+              </a:rPr>
+              <a:t>"</a:t>
+            </a:r>
+            <a:br>
+              <a:rPr lang="fr-FR" altLang="fr-FR" sz="1100" dirty="0">
+                <a:solidFill>
+                  <a:srgbClr val="6A8759"/>
+                </a:solidFill>
+                <a:latin typeface="JetBrains Mono"/>
+              </a:rPr>
+            </a:br>
+            <a:r>
+              <a:rPr lang="fr-FR" altLang="fr-FR" sz="1100" dirty="0">
+                <a:solidFill>
+                  <a:srgbClr val="6A8759"/>
+                </a:solidFill>
+                <a:latin typeface="JetBrains Mono"/>
+              </a:rPr>
+              <a:t>   </a:t>
+            </a:r>
+            <a:r>
+              <a:rPr lang="fr-FR" altLang="fr-FR" sz="1100" dirty="0">
+                <a:solidFill>
+                  <a:srgbClr val="E8BF6A"/>
+                </a:solidFill>
+                <a:latin typeface="JetBrains Mono"/>
+              </a:rPr>
+              <a:t>&gt;</a:t>
+            </a:r>
+            <a:br>
+              <a:rPr lang="fr-FR" altLang="fr-FR" sz="1100" dirty="0">
+                <a:solidFill>
+                  <a:srgbClr val="E8BF6A"/>
+                </a:solidFill>
+                <a:latin typeface="JetBrains Mono"/>
+              </a:rPr>
+            </a:br>
+            <a:r>
+              <a:rPr lang="fr-FR" altLang="fr-FR" sz="1100" dirty="0">
+                <a:solidFill>
+                  <a:srgbClr val="E8BF6A"/>
+                </a:solidFill>
+                <a:latin typeface="JetBrains Mono"/>
+              </a:rPr>
+              <a:t>      &lt;</a:t>
+            </a:r>
+            <a:r>
+              <a:rPr lang="fr-FR" altLang="fr-FR" sz="1100" dirty="0" err="1">
+                <a:solidFill>
+                  <a:srgbClr val="E8BF6A"/>
+                </a:solidFill>
+                <a:latin typeface="JetBrains Mono"/>
+              </a:rPr>
+              <a:t>h:column</a:t>
+            </a:r>
+            <a:r>
+              <a:rPr lang="fr-FR" altLang="fr-FR" sz="1100" dirty="0">
+                <a:solidFill>
+                  <a:srgbClr val="E8BF6A"/>
+                </a:solidFill>
+                <a:latin typeface="JetBrains Mono"/>
+              </a:rPr>
+              <a:t>&gt;</a:t>
+            </a:r>
+            <a:br>
+              <a:rPr lang="fr-FR" altLang="fr-FR" sz="1100" dirty="0">
+                <a:solidFill>
+                  <a:srgbClr val="E8BF6A"/>
+                </a:solidFill>
+                <a:latin typeface="JetBrains Mono"/>
+              </a:rPr>
+            </a:br>
+            <a:r>
+              <a:rPr lang="fr-FR" altLang="fr-FR" sz="1100" dirty="0">
+                <a:solidFill>
+                  <a:srgbClr val="E8BF6A"/>
+                </a:solidFill>
+                <a:latin typeface="JetBrains Mono"/>
+              </a:rPr>
+              <a:t>         &lt;</a:t>
+            </a:r>
+            <a:r>
+              <a:rPr lang="fr-FR" altLang="fr-FR" sz="1100" dirty="0" err="1">
+                <a:solidFill>
+                  <a:srgbClr val="E8BF6A"/>
+                </a:solidFill>
+                <a:latin typeface="JetBrains Mono"/>
+              </a:rPr>
+              <a:t>f:facet</a:t>
+            </a:r>
+            <a:r>
+              <a:rPr lang="fr-FR" altLang="fr-FR" sz="1100" dirty="0">
+                <a:solidFill>
+                  <a:srgbClr val="E8BF6A"/>
+                </a:solidFill>
+                <a:latin typeface="JetBrains Mono"/>
+              </a:rPr>
+              <a:t> </a:t>
+            </a:r>
+            <a:r>
+              <a:rPr lang="fr-FR" altLang="fr-FR" sz="1100" dirty="0" err="1">
+                <a:solidFill>
+                  <a:srgbClr val="BABABA"/>
+                </a:solidFill>
+                <a:latin typeface="JetBrains Mono"/>
+              </a:rPr>
+              <a:t>name</a:t>
+            </a:r>
+            <a:r>
+              <a:rPr lang="fr-FR" altLang="fr-FR" sz="1100" dirty="0">
+                <a:solidFill>
+                  <a:srgbClr val="6A8759"/>
+                </a:solidFill>
+                <a:latin typeface="JetBrains Mono"/>
+              </a:rPr>
+              <a:t>="header"</a:t>
+            </a:r>
+            <a:r>
+              <a:rPr lang="fr-FR" altLang="fr-FR" sz="1100" dirty="0">
+                <a:solidFill>
+                  <a:srgbClr val="E8BF6A"/>
+                </a:solidFill>
+                <a:latin typeface="JetBrains Mono"/>
+              </a:rPr>
+              <a:t>&gt;</a:t>
+            </a:r>
+            <a:r>
+              <a:rPr lang="fr-FR" altLang="fr-FR" sz="1100" dirty="0" err="1">
+                <a:solidFill>
+                  <a:srgbClr val="A9B7C6"/>
+                </a:solidFill>
+                <a:latin typeface="JetBrains Mono"/>
+              </a:rPr>
+              <a:t>Order</a:t>
+            </a:r>
+            <a:r>
+              <a:rPr lang="fr-FR" altLang="fr-FR" sz="1100" dirty="0">
+                <a:solidFill>
+                  <a:srgbClr val="A9B7C6"/>
+                </a:solidFill>
+                <a:latin typeface="JetBrains Mono"/>
+              </a:rPr>
+              <a:t> No</a:t>
+            </a:r>
+            <a:r>
+              <a:rPr lang="fr-FR" altLang="fr-FR" sz="1100" dirty="0">
+                <a:solidFill>
+                  <a:srgbClr val="E8BF6A"/>
+                </a:solidFill>
+                <a:latin typeface="JetBrains Mono"/>
+              </a:rPr>
+              <a:t>&lt;/</a:t>
+            </a:r>
+            <a:r>
+              <a:rPr lang="fr-FR" altLang="fr-FR" sz="1100" dirty="0" err="1">
+                <a:solidFill>
+                  <a:srgbClr val="E8BF6A"/>
+                </a:solidFill>
+                <a:latin typeface="JetBrains Mono"/>
+              </a:rPr>
+              <a:t>f:facet</a:t>
+            </a:r>
+            <a:r>
+              <a:rPr lang="fr-FR" altLang="fr-FR" sz="1100" dirty="0">
+                <a:solidFill>
+                  <a:srgbClr val="E8BF6A"/>
+                </a:solidFill>
+                <a:latin typeface="JetBrains Mono"/>
+              </a:rPr>
+              <a:t>&gt;</a:t>
+            </a:r>
+            <a:br>
+              <a:rPr lang="fr-FR" altLang="fr-FR" sz="1100" dirty="0">
+                <a:solidFill>
+                  <a:srgbClr val="E8BF6A"/>
+                </a:solidFill>
+                <a:latin typeface="JetBrains Mono"/>
+              </a:rPr>
+            </a:br>
+            <a:r>
+              <a:rPr lang="fr-FR" altLang="fr-FR" sz="1100" dirty="0">
+                <a:solidFill>
+                  <a:srgbClr val="E8BF6A"/>
+                </a:solidFill>
+                <a:latin typeface="JetBrains Mono"/>
+              </a:rPr>
+              <a:t>         </a:t>
+            </a:r>
+            <a:r>
+              <a:rPr lang="fr-FR" altLang="fr-FR" sz="1100" dirty="0">
+                <a:solidFill>
+                  <a:srgbClr val="CC7832"/>
+                </a:solidFill>
+                <a:latin typeface="JetBrains Mono"/>
+              </a:rPr>
+              <a:t>#{</a:t>
+            </a:r>
+            <a:r>
+              <a:rPr lang="fr-FR" altLang="fr-FR" sz="1100" dirty="0">
+                <a:solidFill>
+                  <a:srgbClr val="A9B7C6"/>
+                </a:solidFill>
+                <a:latin typeface="JetBrains Mono"/>
+              </a:rPr>
+              <a:t>o.orderNo</a:t>
+            </a:r>
+            <a:r>
+              <a:rPr lang="fr-FR" altLang="fr-FR" sz="1100" dirty="0">
+                <a:solidFill>
+                  <a:srgbClr val="CC7832"/>
+                </a:solidFill>
+                <a:latin typeface="JetBrains Mono"/>
+              </a:rPr>
+              <a:t>}</a:t>
+            </a:r>
+            <a:br>
+              <a:rPr lang="fr-FR" altLang="fr-FR" sz="1100" dirty="0">
+                <a:solidFill>
+                  <a:srgbClr val="CC7832"/>
+                </a:solidFill>
+                <a:latin typeface="JetBrains Mono"/>
+              </a:rPr>
+            </a:br>
+            <a:r>
+              <a:rPr lang="fr-FR" altLang="fr-FR" sz="1100" dirty="0">
+                <a:solidFill>
+                  <a:srgbClr val="CC7832"/>
+                </a:solidFill>
+                <a:latin typeface="JetBrains Mono"/>
+              </a:rPr>
+              <a:t>      </a:t>
+            </a:r>
+            <a:r>
+              <a:rPr lang="fr-FR" altLang="fr-FR" sz="1100" dirty="0">
+                <a:solidFill>
+                  <a:srgbClr val="E8BF6A"/>
+                </a:solidFill>
+                <a:latin typeface="JetBrains Mono"/>
+              </a:rPr>
+              <a:t>&lt;/</a:t>
+            </a:r>
+            <a:r>
+              <a:rPr lang="fr-FR" altLang="fr-FR" sz="1100" dirty="0" err="1">
+                <a:solidFill>
+                  <a:srgbClr val="E8BF6A"/>
+                </a:solidFill>
+                <a:latin typeface="JetBrains Mono"/>
+              </a:rPr>
+              <a:t>h:column</a:t>
+            </a:r>
+            <a:r>
+              <a:rPr lang="fr-FR" altLang="fr-FR" sz="1100" dirty="0">
+                <a:solidFill>
+                  <a:srgbClr val="E8BF6A"/>
+                </a:solidFill>
+                <a:latin typeface="JetBrains Mono"/>
+              </a:rPr>
+              <a:t>&gt;</a:t>
+            </a:r>
+            <a:br>
+              <a:rPr lang="fr-FR" altLang="fr-FR" sz="1100" dirty="0">
+                <a:solidFill>
+                  <a:srgbClr val="E8BF6A"/>
+                </a:solidFill>
+                <a:latin typeface="JetBrains Mono"/>
+              </a:rPr>
+            </a:br>
+            <a:br>
+              <a:rPr lang="fr-FR" altLang="fr-FR" sz="1100" dirty="0">
+                <a:solidFill>
+                  <a:srgbClr val="E8BF6A"/>
+                </a:solidFill>
+                <a:latin typeface="JetBrains Mono"/>
+              </a:rPr>
+            </a:br>
+            <a:r>
+              <a:rPr lang="fr-FR" altLang="fr-FR" sz="1100" dirty="0">
+                <a:solidFill>
+                  <a:srgbClr val="E8BF6A"/>
+                </a:solidFill>
+                <a:latin typeface="JetBrains Mono"/>
+              </a:rPr>
+              <a:t>      &lt;</a:t>
+            </a:r>
+            <a:r>
+              <a:rPr lang="fr-FR" altLang="fr-FR" sz="1100" dirty="0" err="1">
+                <a:solidFill>
+                  <a:srgbClr val="E8BF6A"/>
+                </a:solidFill>
+                <a:latin typeface="JetBrains Mono"/>
+              </a:rPr>
+              <a:t>h:column</a:t>
+            </a:r>
+            <a:r>
+              <a:rPr lang="fr-FR" altLang="fr-FR" sz="1100" dirty="0">
+                <a:solidFill>
+                  <a:srgbClr val="E8BF6A"/>
+                </a:solidFill>
+                <a:latin typeface="JetBrains Mono"/>
+              </a:rPr>
+              <a:t>&gt;</a:t>
+            </a:r>
+            <a:br>
+              <a:rPr lang="fr-FR" altLang="fr-FR" sz="1100" dirty="0">
+                <a:solidFill>
+                  <a:srgbClr val="E8BF6A"/>
+                </a:solidFill>
+                <a:latin typeface="JetBrains Mono"/>
+              </a:rPr>
+            </a:br>
+            <a:r>
+              <a:rPr lang="fr-FR" altLang="fr-FR" sz="1100" dirty="0">
+                <a:solidFill>
+                  <a:srgbClr val="E8BF6A"/>
+                </a:solidFill>
+                <a:latin typeface="JetBrains Mono"/>
+              </a:rPr>
+              <a:t>         &lt;</a:t>
+            </a:r>
+            <a:r>
+              <a:rPr lang="fr-FR" altLang="fr-FR" sz="1100" dirty="0" err="1">
+                <a:solidFill>
+                  <a:srgbClr val="E8BF6A"/>
+                </a:solidFill>
+                <a:latin typeface="JetBrains Mono"/>
+              </a:rPr>
+              <a:t>f:facet</a:t>
+            </a:r>
+            <a:r>
+              <a:rPr lang="fr-FR" altLang="fr-FR" sz="1100" dirty="0">
+                <a:solidFill>
+                  <a:srgbClr val="E8BF6A"/>
+                </a:solidFill>
+                <a:latin typeface="JetBrains Mono"/>
+              </a:rPr>
+              <a:t> </a:t>
+            </a:r>
+            <a:r>
+              <a:rPr lang="fr-FR" altLang="fr-FR" sz="1100" dirty="0" err="1">
+                <a:solidFill>
+                  <a:srgbClr val="BABABA"/>
+                </a:solidFill>
+                <a:latin typeface="JetBrains Mono"/>
+              </a:rPr>
+              <a:t>name</a:t>
+            </a:r>
+            <a:r>
+              <a:rPr lang="fr-FR" altLang="fr-FR" sz="1100" dirty="0">
+                <a:solidFill>
+                  <a:srgbClr val="6A8759"/>
+                </a:solidFill>
+                <a:latin typeface="JetBrains Mono"/>
+              </a:rPr>
+              <a:t>="header"</a:t>
+            </a:r>
+            <a:r>
+              <a:rPr lang="fr-FR" altLang="fr-FR" sz="1100" dirty="0">
+                <a:solidFill>
+                  <a:srgbClr val="E8BF6A"/>
+                </a:solidFill>
+                <a:latin typeface="JetBrains Mono"/>
+              </a:rPr>
+              <a:t>&gt;</a:t>
+            </a:r>
+            <a:r>
+              <a:rPr lang="fr-FR" altLang="fr-FR" sz="1100" dirty="0">
+                <a:solidFill>
+                  <a:srgbClr val="A9B7C6"/>
+                </a:solidFill>
+                <a:latin typeface="JetBrains Mono"/>
+              </a:rPr>
+              <a:t>Product Name</a:t>
+            </a:r>
+            <a:r>
+              <a:rPr lang="fr-FR" altLang="fr-FR" sz="1100" dirty="0">
+                <a:solidFill>
+                  <a:srgbClr val="E8BF6A"/>
+                </a:solidFill>
+                <a:latin typeface="JetBrains Mono"/>
+              </a:rPr>
+              <a:t>&lt;/</a:t>
+            </a:r>
+            <a:r>
+              <a:rPr lang="fr-FR" altLang="fr-FR" sz="1100" dirty="0" err="1">
+                <a:solidFill>
+                  <a:srgbClr val="E8BF6A"/>
+                </a:solidFill>
+                <a:latin typeface="JetBrains Mono"/>
+              </a:rPr>
+              <a:t>f:facet</a:t>
+            </a:r>
+            <a:r>
+              <a:rPr lang="fr-FR" altLang="fr-FR" sz="1100" dirty="0">
+                <a:solidFill>
+                  <a:srgbClr val="E8BF6A"/>
+                </a:solidFill>
+                <a:latin typeface="JetBrains Mono"/>
+              </a:rPr>
+              <a:t>&gt;</a:t>
+            </a:r>
+            <a:br>
+              <a:rPr lang="fr-FR" altLang="fr-FR" sz="1100" dirty="0">
+                <a:solidFill>
+                  <a:srgbClr val="E8BF6A"/>
+                </a:solidFill>
+                <a:latin typeface="JetBrains Mono"/>
+              </a:rPr>
+            </a:br>
+            <a:r>
+              <a:rPr lang="fr-FR" altLang="fr-FR" sz="1100" dirty="0">
+                <a:solidFill>
+                  <a:srgbClr val="E8BF6A"/>
+                </a:solidFill>
+                <a:latin typeface="JetBrains Mono"/>
+              </a:rPr>
+              <a:t>         </a:t>
+            </a:r>
+            <a:r>
+              <a:rPr lang="fr-FR" altLang="fr-FR" sz="1100" dirty="0">
+                <a:solidFill>
+                  <a:srgbClr val="CC7832"/>
+                </a:solidFill>
+                <a:latin typeface="JetBrains Mono"/>
+              </a:rPr>
+              <a:t>#{</a:t>
+            </a:r>
+            <a:r>
+              <a:rPr lang="fr-FR" altLang="fr-FR" sz="1100" dirty="0">
+                <a:solidFill>
+                  <a:srgbClr val="A9B7C6"/>
+                </a:solidFill>
+                <a:latin typeface="JetBrains Mono"/>
+              </a:rPr>
+              <a:t>o.productName</a:t>
+            </a:r>
+            <a:r>
+              <a:rPr lang="fr-FR" altLang="fr-FR" sz="1100" dirty="0">
+                <a:solidFill>
+                  <a:srgbClr val="CC7832"/>
+                </a:solidFill>
+                <a:latin typeface="JetBrains Mono"/>
+              </a:rPr>
+              <a:t>}</a:t>
+            </a:r>
+            <a:br>
+              <a:rPr lang="fr-FR" altLang="fr-FR" sz="1100" dirty="0">
+                <a:solidFill>
+                  <a:srgbClr val="CC7832"/>
+                </a:solidFill>
+                <a:latin typeface="JetBrains Mono"/>
+              </a:rPr>
+            </a:br>
+            <a:r>
+              <a:rPr lang="fr-FR" altLang="fr-FR" sz="1100" dirty="0">
+                <a:solidFill>
+                  <a:srgbClr val="CC7832"/>
+                </a:solidFill>
+                <a:latin typeface="JetBrains Mono"/>
+              </a:rPr>
+              <a:t>      </a:t>
+            </a:r>
+            <a:r>
+              <a:rPr lang="fr-FR" altLang="fr-FR" sz="1100" dirty="0">
+                <a:solidFill>
+                  <a:srgbClr val="E8BF6A"/>
+                </a:solidFill>
+                <a:latin typeface="JetBrains Mono"/>
+              </a:rPr>
+              <a:t>&lt;/</a:t>
+            </a:r>
+            <a:r>
+              <a:rPr lang="fr-FR" altLang="fr-FR" sz="1100" dirty="0" err="1">
+                <a:solidFill>
+                  <a:srgbClr val="E8BF6A"/>
+                </a:solidFill>
+                <a:latin typeface="JetBrains Mono"/>
+              </a:rPr>
+              <a:t>h:column</a:t>
+            </a:r>
+            <a:r>
+              <a:rPr lang="fr-FR" altLang="fr-FR" sz="1100" dirty="0">
+                <a:solidFill>
+                  <a:srgbClr val="E8BF6A"/>
+                </a:solidFill>
+                <a:latin typeface="JetBrains Mono"/>
+              </a:rPr>
+              <a:t>&gt;</a:t>
+            </a:r>
+            <a:br>
+              <a:rPr lang="fr-FR" altLang="fr-FR" sz="1100" dirty="0">
+                <a:solidFill>
+                  <a:srgbClr val="E8BF6A"/>
+                </a:solidFill>
+                <a:latin typeface="JetBrains Mono"/>
+              </a:rPr>
+            </a:br>
+            <a:br>
+              <a:rPr lang="fr-FR" altLang="fr-FR" sz="1100" dirty="0">
+                <a:solidFill>
+                  <a:srgbClr val="E8BF6A"/>
+                </a:solidFill>
+                <a:latin typeface="JetBrains Mono"/>
+              </a:rPr>
+            </a:br>
+            <a:r>
+              <a:rPr lang="fr-FR" altLang="fr-FR" sz="1100" dirty="0">
+                <a:solidFill>
+                  <a:srgbClr val="E8BF6A"/>
+                </a:solidFill>
+                <a:latin typeface="JetBrains Mono"/>
+              </a:rPr>
+              <a:t>   &lt;/</a:t>
+            </a:r>
+            <a:r>
+              <a:rPr lang="fr-FR" altLang="fr-FR" sz="1100" dirty="0" err="1">
+                <a:solidFill>
+                  <a:srgbClr val="E8BF6A"/>
+                </a:solidFill>
+                <a:latin typeface="JetBrains Mono"/>
+              </a:rPr>
+              <a:t>h:dataTable</a:t>
+            </a:r>
+            <a:r>
+              <a:rPr lang="fr-FR" altLang="fr-FR" sz="1100" dirty="0">
+                <a:solidFill>
+                  <a:srgbClr val="E8BF6A"/>
+                </a:solidFill>
+                <a:latin typeface="JetBrains Mono"/>
+              </a:rPr>
+              <a:t>&gt;</a:t>
+            </a:r>
+            <a:br>
+              <a:rPr lang="fr-FR" altLang="fr-FR" sz="1100" dirty="0">
+                <a:solidFill>
+                  <a:srgbClr val="E8BF6A"/>
+                </a:solidFill>
+                <a:latin typeface="JetBrains Mono"/>
+              </a:rPr>
+            </a:br>
+            <a:r>
+              <a:rPr lang="fr-FR" altLang="fr-FR" sz="1100" dirty="0">
+                <a:solidFill>
+                  <a:srgbClr val="E8BF6A"/>
+                </a:solidFill>
+                <a:latin typeface="JetBrains Mono"/>
+              </a:rPr>
+              <a:t>&lt;/</a:t>
+            </a:r>
+            <a:r>
+              <a:rPr lang="fr-FR" altLang="fr-FR" sz="1100" dirty="0" err="1">
+                <a:solidFill>
+                  <a:srgbClr val="E8BF6A"/>
+                </a:solidFill>
+                <a:latin typeface="JetBrains Mono"/>
+              </a:rPr>
+              <a:t>f:view</a:t>
+            </a:r>
+            <a:r>
+              <a:rPr lang="fr-FR" altLang="fr-FR" sz="1100" dirty="0">
+                <a:solidFill>
+                  <a:srgbClr val="E8BF6A"/>
+                </a:solidFill>
+                <a:latin typeface="JetBrains Mono"/>
+              </a:rPr>
+              <a:t>&gt;</a:t>
+            </a:r>
+            <a:br>
+              <a:rPr lang="fr-FR" altLang="fr-FR" sz="1100" dirty="0">
+                <a:solidFill>
+                  <a:srgbClr val="E8BF6A"/>
+                </a:solidFill>
+                <a:latin typeface="JetBrains Mono"/>
+              </a:rPr>
+            </a:br>
+            <a:r>
+              <a:rPr lang="fr-FR" altLang="fr-FR" sz="1100" dirty="0">
+                <a:solidFill>
+                  <a:srgbClr val="E8BF6A"/>
+                </a:solidFill>
+                <a:latin typeface="JetBrains Mono"/>
+              </a:rPr>
+              <a:t>&lt;/html&gt;</a:t>
+            </a:r>
+            <a:endParaRPr lang="fr-FR" altLang="fr-FR" sz="2400" dirty="0">
+              <a:latin typeface="Arial" panose="020B0604020202020204" pitchFamily="34" charset="0"/>
+            </a:endParaRPr>
+          </a:p>
+        </p:txBody>
+      </p:sp>
+      <p:sp>
+        <p:nvSpPr>
+          <p:cNvPr id="5" name="Rectangle 3">
+            <a:extLst>
+              <a:ext uri="{FF2B5EF4-FFF2-40B4-BE49-F238E27FC236}">
+                <a16:creationId xmlns:a16="http://schemas.microsoft.com/office/drawing/2014/main" id="{E78FE91D-E154-4FD7-98B9-497EF09DA12B}"/>
+              </a:ext>
+            </a:extLst>
+          </p:cNvPr>
+          <p:cNvSpPr>
+            <a:spLocks noChangeArrowheads="1"/>
+          </p:cNvSpPr>
+          <p:nvPr/>
+        </p:nvSpPr>
+        <p:spPr bwMode="auto">
+          <a:xfrm>
+            <a:off x="0" y="43934"/>
+            <a:ext cx="184731" cy="369332"/>
+          </a:xfrm>
+          <a:prstGeom prst="rect">
+            <a:avLst/>
+          </a:prstGeom>
+          <a:solidFill>
+            <a:srgbClr val="2B2B2B"/>
+          </a:solidFill>
+          <a:ln>
+            <a:noFill/>
+          </a:ln>
+          <a:effectLst/>
+          <a:extLst>
+            <a:ext uri="{91240B29-F687-4F45-9708-019B960494DF}">
+              <a14:hiddenLine xmlns:a14="http://schemas.microsoft.com/office/drawing/2010/main" w="9525">
+                <a:solidFill>
+                  <a:schemeClr val="tx1"/>
+                </a:solidFill>
+                <a:miter lim="800000"/>
+                <a:headEnd/>
+                <a:tailEnd/>
+              </a14:hiddenLine>
+            </a:ext>
+            <a:ext uri="{AF507438-7753-43E0-B8FC-AC1667EBCBE1}">
+              <a14:hiddenEffects xmlns:a14="http://schemas.microsoft.com/office/drawing/2010/main">
+                <a:effectLst>
+                  <a:outerShdw dist="35921" dir="2700000" algn="ctr" rotWithShape="0">
+                    <a:schemeClr val="bg2"/>
+                  </a:outerShdw>
+                </a:effectLst>
+              </a14:hiddenEffects>
+            </a:ext>
+          </a:extLst>
+        </p:spPr>
+        <p:txBody>
+          <a:bodyPr vert="horz" wrap="none" lIns="91440" tIns="45720" rIns="91440" bIns="45720" numCol="1" anchor="ctr" anchorCtr="0" compatLnSpc="1">
+            <a:prstTxWarp prst="textNoShape">
+              <a:avLst/>
+            </a:prstTxWarp>
+            <a:spAutoFit/>
+          </a:bodyPr>
+          <a:lstStyle/>
+          <a:p>
+            <a:pPr marL="0" marR="0" lvl="0" indent="0" algn="l" defTabSz="914400" rtl="0" eaLnBrk="0" fontAlgn="base" latinLnBrk="0" hangingPunct="0">
+              <a:lnSpc>
+                <a:spcPct val="100000"/>
+              </a:lnSpc>
+              <a:spcBef>
+                <a:spcPct val="0"/>
+              </a:spcBef>
+              <a:spcAft>
+                <a:spcPct val="0"/>
+              </a:spcAft>
+              <a:buClrTx/>
+              <a:buSzTx/>
+              <a:buFontTx/>
+              <a:buNone/>
+              <a:tabLst/>
+            </a:pPr>
+            <a:endParaRPr kumimoji="0" lang="fr-FR" altLang="fr-FR" sz="1800" b="0" i="0" u="none" strike="noStrike" cap="none" normalizeH="0" baseline="0" dirty="0">
+              <a:ln>
+                <a:noFill/>
+              </a:ln>
+              <a:solidFill>
+                <a:schemeClr val="tx1"/>
+              </a:solidFill>
+              <a:effectLst/>
+              <a:latin typeface="Arial" panose="020B0604020202020204" pitchFamily="34" charset="0"/>
+            </a:endParaRPr>
+          </a:p>
+        </p:txBody>
+      </p:sp>
+    </p:spTree>
+    <p:extLst>
+      <p:ext uri="{BB962C8B-B14F-4D97-AF65-F5344CB8AC3E}">
+        <p14:creationId xmlns:p14="http://schemas.microsoft.com/office/powerpoint/2010/main" val="727700361"/>
+      </p:ext>
+    </p:extLst>
+  </p:cSld>
+  <p:clrMapOvr>
+    <a:masterClrMapping/>
+  </p:clrMapOvr>
+  <p:transition spd="slow">
+    <p:push/>
+  </p:transition>
+</p:sld>
+</file>
+
+<file path=ppt/slides/slide15.xml><?xml version="1.0" encoding="utf-8"?>
+<p:sld xmlns:a="http://schemas.openxmlformats.org/drawingml/2006/main" xmlns:r="http://schemas.openxmlformats.org/officeDocument/2006/relationships" xmlns:p="http://schemas.openxmlformats.org/presentationml/2006/main">
+  <p:cSld>
+    <p:spTree>
+      <p:nvGrpSpPr>
+        <p:cNvPr id="1" name=""/>
+        <p:cNvGrpSpPr/>
+        <p:nvPr/>
+      </p:nvGrpSpPr>
+      <p:grpSpPr>
+        <a:xfrm>
+          <a:off x="0" y="0"/>
+          <a:ext cx="0" cy="0"/>
+          <a:chOff x="0" y="0"/>
+          <a:chExt cx="0" cy="0"/>
+        </a:xfrm>
+      </p:grpSpPr>
+      <p:pic>
+        <p:nvPicPr>
+          <p:cNvPr id="108" name="Image 107"/>
+          <p:cNvPicPr/>
+          <p:nvPr/>
+        </p:nvPicPr>
+        <p:blipFill>
+          <a:blip r:embed="rId2"/>
+          <a:stretch/>
+        </p:blipFill>
+        <p:spPr>
+          <a:xfrm>
+            <a:off x="3960000" y="-5400"/>
+            <a:ext cx="8214120" cy="6844680"/>
+          </a:xfrm>
+          <a:prstGeom prst="rect">
+            <a:avLst/>
+          </a:prstGeom>
+          <a:ln w="0">
+            <a:noFill/>
+          </a:ln>
+        </p:spPr>
+      </p:pic>
+      <p:sp>
+        <p:nvSpPr>
+          <p:cNvPr id="109" name="Content Placeholder 2_12"/>
+          <p:cNvSpPr/>
+          <p:nvPr/>
+        </p:nvSpPr>
+        <p:spPr>
+          <a:xfrm>
+            <a:off x="19080" y="3960"/>
+            <a:ext cx="12174120" cy="6853680"/>
+          </a:xfrm>
+          <a:prstGeom prst="rect">
+            <a:avLst/>
+          </a:prstGeom>
+          <a:gradFill rotWithShape="0">
+            <a:gsLst>
+              <a:gs pos="45000">
+                <a:srgbClr val="000000"/>
+              </a:gs>
+              <a:gs pos="100000">
+                <a:srgbClr val="000000">
+                  <a:alpha val="0"/>
+                </a:srgbClr>
+              </a:gs>
+            </a:gsLst>
+            <a:lin ang="600000"/>
+          </a:gradFill>
+          <a:ln w="0">
+            <a:noFill/>
+          </a:ln>
+        </p:spPr>
+        <p:style>
+          <a:lnRef idx="0">
+            <a:scrgbClr r="0" g="0" b="0"/>
+          </a:lnRef>
+          <a:fillRef idx="0">
+            <a:scrgbClr r="0" g="0" b="0"/>
+          </a:fillRef>
+          <a:effectRef idx="0">
+            <a:scrgbClr r="0" g="0" b="0"/>
+          </a:effectRef>
+          <a:fontRef idx="minor"/>
+        </p:style>
+        <p:txBody>
+          <a:bodyPr/>
+          <a:lstStyle/>
+          <a:p>
+            <a:endParaRPr lang="fr-FR" dirty="0"/>
+          </a:p>
+        </p:txBody>
+      </p:sp>
+      <p:sp>
+        <p:nvSpPr>
+          <p:cNvPr id="110" name="Content Placeholder 3_13"/>
+          <p:cNvSpPr/>
+          <p:nvPr/>
+        </p:nvSpPr>
+        <p:spPr>
+          <a:xfrm>
+            <a:off x="609480" y="685800"/>
+            <a:ext cx="748080" cy="120960"/>
+          </a:xfrm>
+          <a:prstGeom prst="rect">
+            <a:avLst/>
+          </a:prstGeom>
+          <a:solidFill>
+            <a:srgbClr val="FFFFFF"/>
+          </a:solidFill>
+          <a:ln w="0">
+            <a:noFill/>
+          </a:ln>
+        </p:spPr>
+        <p:style>
+          <a:lnRef idx="0">
+            <a:scrgbClr r="0" g="0" b="0"/>
+          </a:lnRef>
+          <a:fillRef idx="0">
+            <a:scrgbClr r="0" g="0" b="0"/>
+          </a:fillRef>
+          <a:effectRef idx="0">
+            <a:scrgbClr r="0" g="0" b="0"/>
+          </a:effectRef>
+          <a:fontRef idx="minor"/>
+        </p:style>
+      </p:sp>
+      <p:sp>
+        <p:nvSpPr>
+          <p:cNvPr id="111" name="Title 4_13"/>
+          <p:cNvSpPr/>
+          <p:nvPr/>
+        </p:nvSpPr>
+        <p:spPr>
+          <a:xfrm>
+            <a:off x="596880" y="1789200"/>
+            <a:ext cx="6780600" cy="4190040"/>
+          </a:xfrm>
+          <a:prstGeom prst="rect">
+            <a:avLst/>
+          </a:prstGeom>
+          <a:noFill/>
+          <a:ln w="0">
+            <a:noFill/>
+          </a:ln>
+        </p:spPr>
+        <p:style>
+          <a:lnRef idx="0">
+            <a:scrgbClr r="0" g="0" b="0"/>
+          </a:lnRef>
+          <a:fillRef idx="0">
+            <a:scrgbClr r="0" g="0" b="0"/>
+          </a:fillRef>
+          <a:effectRef idx="0">
+            <a:scrgbClr r="0" g="0" b="0"/>
+          </a:effectRef>
+          <a:fontRef idx="minor"/>
+        </p:style>
+        <p:txBody>
+          <a:bodyPr lIns="0" tIns="0" rIns="0" bIns="0">
+            <a:noAutofit/>
+          </a:bodyPr>
+          <a:lstStyle/>
+          <a:p>
+            <a:pPr>
+              <a:lnSpc>
+                <a:spcPct val="85000"/>
+              </a:lnSpc>
+            </a:pPr>
+            <a:endParaRPr lang="fr-FR" sz="1800" b="0" strike="noStrike" spc="-1">
+              <a:latin typeface="Arial"/>
+            </a:endParaRPr>
+          </a:p>
+          <a:p>
+            <a:pPr>
+              <a:lnSpc>
+                <a:spcPct val="85000"/>
+              </a:lnSpc>
+            </a:pPr>
+            <a:endParaRPr lang="fr-FR" sz="1800" b="0" strike="noStrike" spc="-1">
+              <a:latin typeface="Arial"/>
+            </a:endParaRPr>
+          </a:p>
+        </p:txBody>
+      </p:sp>
+      <p:sp>
+        <p:nvSpPr>
+          <p:cNvPr id="112" name="Text Placeholder 5_13"/>
+          <p:cNvSpPr/>
+          <p:nvPr/>
+        </p:nvSpPr>
+        <p:spPr>
+          <a:xfrm>
+            <a:off x="540000" y="1016640"/>
+            <a:ext cx="10440000" cy="603360"/>
+          </a:xfrm>
+          <a:prstGeom prst="rect">
+            <a:avLst/>
+          </a:prstGeom>
+          <a:noFill/>
+          <a:ln w="0">
+            <a:noFill/>
+          </a:ln>
+        </p:spPr>
+        <p:style>
+          <a:lnRef idx="0">
+            <a:scrgbClr r="0" g="0" b="0"/>
+          </a:lnRef>
+          <a:fillRef idx="0">
+            <a:scrgbClr r="0" g="0" b="0"/>
+          </a:fillRef>
+          <a:effectRef idx="0">
+            <a:scrgbClr r="0" g="0" b="0"/>
+          </a:effectRef>
+          <a:fontRef idx="minor"/>
+        </p:style>
+        <p:txBody>
+          <a:bodyPr lIns="0" tIns="0" rIns="0" bIns="0">
+            <a:noAutofit/>
+          </a:bodyPr>
+          <a:lstStyle/>
+          <a:p>
+            <a:pPr>
+              <a:lnSpc>
+                <a:spcPct val="100000"/>
+              </a:lnSpc>
+              <a:spcBef>
+                <a:spcPts val="1001"/>
+              </a:spcBef>
+              <a:spcAft>
+                <a:spcPts val="1001"/>
+              </a:spcAft>
+              <a:tabLst>
+                <a:tab pos="0" algn="l"/>
+              </a:tabLst>
+            </a:pPr>
+            <a:r>
               <a:rPr lang="en-US" sz="4000" spc="-1" dirty="0">
                 <a:solidFill>
                   <a:srgbClr val="FFFFFF"/>
@@ -7923,7 +10248,7 @@
 </p:sld>
 </file>
 
-<file path=ppt/slides/slide14.xml><?xml version="1.0" encoding="utf-8"?>
+<file path=ppt/slides/slide16.xml><?xml version="1.0" encoding="utf-8"?>
 <p:sld xmlns:a="http://schemas.openxmlformats.org/drawingml/2006/main" xmlns:r="http://schemas.openxmlformats.org/officeDocument/2006/relationships" xmlns:p="http://schemas.openxmlformats.org/presentationml/2006/main">
   <p:cSld>
     <p:spTree>
@@ -10287,7 +12612,7 @@
 </p:sld>
 </file>
 
-<file path=ppt/slides/slide15.xml><?xml version="1.0" encoding="utf-8"?>
+<file path=ppt/slides/slide17.xml><?xml version="1.0" encoding="utf-8"?>
 <p:sld xmlns:a="http://schemas.openxmlformats.org/drawingml/2006/main" xmlns:r="http://schemas.openxmlformats.org/officeDocument/2006/relationships" xmlns:p="http://schemas.openxmlformats.org/presentationml/2006/main">
   <p:cSld>
     <p:spTree>
@@ -12938,7 +15263,7 @@
 </p:sld>
 </file>
 
-<file path=ppt/slides/slide16.xml><?xml version="1.0" encoding="utf-8"?>
+<file path=ppt/slides/slide18.xml><?xml version="1.0" encoding="utf-8"?>
 <p:sld xmlns:a="http://schemas.openxmlformats.org/drawingml/2006/main" xmlns:r="http://schemas.openxmlformats.org/officeDocument/2006/relationships" xmlns:p="http://schemas.openxmlformats.org/presentationml/2006/main">
   <p:cSld>
     <p:spTree>
@@ -14002,7 +16327,7 @@
 </p:sld>
 </file>
 
-<file path=ppt/slides/slide17.xml><?xml version="1.0" encoding="utf-8"?>
+<file path=ppt/slides/slide19.xml><?xml version="1.0" encoding="utf-8"?>
 <p:sld xmlns:a="http://schemas.openxmlformats.org/drawingml/2006/main" xmlns:r="http://schemas.openxmlformats.org/officeDocument/2006/relationships" xmlns:p="http://schemas.openxmlformats.org/presentationml/2006/main">
   <p:cSld>
     <p:spTree>
@@ -15961,7 +18286,508 @@
 </p:sld>
 </file>
 
-<file path=ppt/slides/slide18.xml><?xml version="1.0" encoding="utf-8"?>
+<file path=ppt/slides/slide2.xml><?xml version="1.0" encoding="utf-8"?>
+<p:sld xmlns:a="http://schemas.openxmlformats.org/drawingml/2006/main" xmlns:r="http://schemas.openxmlformats.org/officeDocument/2006/relationships" xmlns:p="http://schemas.openxmlformats.org/presentationml/2006/main">
+  <p:cSld>
+    <p:spTree>
+      <p:nvGrpSpPr>
+        <p:cNvPr id="1" name=""/>
+        <p:cNvGrpSpPr/>
+        <p:nvPr/>
+      </p:nvGrpSpPr>
+      <p:grpSpPr>
+        <a:xfrm>
+          <a:off x="0" y="0"/>
+          <a:ext cx="0" cy="0"/>
+          <a:chOff x="0" y="0"/>
+          <a:chExt cx="0" cy="0"/>
+        </a:xfrm>
+      </p:grpSpPr>
+      <p:pic>
+        <p:nvPicPr>
+          <p:cNvPr id="85" name="Image 84"/>
+          <p:cNvPicPr/>
+          <p:nvPr/>
+        </p:nvPicPr>
+        <p:blipFill>
+          <a:blip r:embed="rId2"/>
+          <a:stretch/>
+        </p:blipFill>
+        <p:spPr>
+          <a:xfrm>
+            <a:off x="3960000" y="-5400"/>
+            <a:ext cx="8214120" cy="6844680"/>
+          </a:xfrm>
+          <a:prstGeom prst="rect">
+            <a:avLst/>
+          </a:prstGeom>
+          <a:ln w="0">
+            <a:noFill/>
+          </a:ln>
+        </p:spPr>
+      </p:pic>
+      <p:sp>
+        <p:nvSpPr>
+          <p:cNvPr id="86" name="Content Placeholder 2_2"/>
+          <p:cNvSpPr/>
+          <p:nvPr/>
+        </p:nvSpPr>
+        <p:spPr>
+          <a:xfrm>
+            <a:off x="19080" y="3960"/>
+            <a:ext cx="12174120" cy="6853680"/>
+          </a:xfrm>
+          <a:prstGeom prst="rect">
+            <a:avLst/>
+          </a:prstGeom>
+          <a:gradFill rotWithShape="0">
+            <a:gsLst>
+              <a:gs pos="45000">
+                <a:srgbClr val="000000"/>
+              </a:gs>
+              <a:gs pos="100000">
+                <a:srgbClr val="000000">
+                  <a:alpha val="0"/>
+                </a:srgbClr>
+              </a:gs>
+            </a:gsLst>
+            <a:lin ang="600000"/>
+          </a:gradFill>
+          <a:ln w="0">
+            <a:noFill/>
+          </a:ln>
+        </p:spPr>
+        <p:style>
+          <a:lnRef idx="0">
+            <a:scrgbClr r="0" g="0" b="0"/>
+          </a:lnRef>
+          <a:fillRef idx="0">
+            <a:scrgbClr r="0" g="0" b="0"/>
+          </a:fillRef>
+          <a:effectRef idx="0">
+            <a:scrgbClr r="0" g="0" b="0"/>
+          </a:effectRef>
+          <a:fontRef idx="minor"/>
+        </p:style>
+        <p:txBody>
+          <a:bodyPr/>
+          <a:lstStyle/>
+          <a:p>
+            <a:endParaRPr lang="fr-FR" dirty="0"/>
+          </a:p>
+        </p:txBody>
+      </p:sp>
+      <p:sp>
+        <p:nvSpPr>
+          <p:cNvPr id="87" name="Content Placeholder 3_3"/>
+          <p:cNvSpPr/>
+          <p:nvPr/>
+        </p:nvSpPr>
+        <p:spPr>
+          <a:xfrm>
+            <a:off x="609480" y="685800"/>
+            <a:ext cx="748080" cy="120960"/>
+          </a:xfrm>
+          <a:prstGeom prst="rect">
+            <a:avLst/>
+          </a:prstGeom>
+          <a:solidFill>
+            <a:srgbClr val="FFFFFF"/>
+          </a:solidFill>
+          <a:ln w="0">
+            <a:noFill/>
+          </a:ln>
+        </p:spPr>
+        <p:style>
+          <a:lnRef idx="0">
+            <a:scrgbClr r="0" g="0" b="0"/>
+          </a:lnRef>
+          <a:fillRef idx="0">
+            <a:scrgbClr r="0" g="0" b="0"/>
+          </a:fillRef>
+          <a:effectRef idx="0">
+            <a:scrgbClr r="0" g="0" b="0"/>
+          </a:effectRef>
+          <a:fontRef idx="minor"/>
+        </p:style>
+      </p:sp>
+      <p:sp>
+        <p:nvSpPr>
+          <p:cNvPr id="88" name="Title 4_3"/>
+          <p:cNvSpPr/>
+          <p:nvPr/>
+        </p:nvSpPr>
+        <p:spPr>
+          <a:xfrm>
+            <a:off x="596880" y="1789200"/>
+            <a:ext cx="6780600" cy="4190040"/>
+          </a:xfrm>
+          <a:prstGeom prst="rect">
+            <a:avLst/>
+          </a:prstGeom>
+          <a:noFill/>
+          <a:ln w="0">
+            <a:noFill/>
+          </a:ln>
+        </p:spPr>
+        <p:style>
+          <a:lnRef idx="0">
+            <a:scrgbClr r="0" g="0" b="0"/>
+          </a:lnRef>
+          <a:fillRef idx="0">
+            <a:scrgbClr r="0" g="0" b="0"/>
+          </a:fillRef>
+          <a:effectRef idx="0">
+            <a:scrgbClr r="0" g="0" b="0"/>
+          </a:effectRef>
+          <a:fontRef idx="minor"/>
+        </p:style>
+        <p:txBody>
+          <a:bodyPr lIns="0" tIns="0" rIns="0" bIns="0">
+            <a:noAutofit/>
+          </a:bodyPr>
+          <a:lstStyle/>
+          <a:p>
+            <a:pPr>
+              <a:lnSpc>
+                <a:spcPct val="85000"/>
+              </a:lnSpc>
+            </a:pPr>
+            <a:endParaRPr lang="fr-FR" sz="1800" b="0" strike="noStrike" spc="-1">
+              <a:latin typeface="Arial"/>
+            </a:endParaRPr>
+          </a:p>
+          <a:p>
+            <a:pPr>
+              <a:lnSpc>
+                <a:spcPct val="85000"/>
+              </a:lnSpc>
+            </a:pPr>
+            <a:endParaRPr lang="fr-FR" sz="1800" b="0" strike="noStrike" spc="-1">
+              <a:latin typeface="Arial"/>
+            </a:endParaRPr>
+          </a:p>
+        </p:txBody>
+      </p:sp>
+      <p:sp>
+        <p:nvSpPr>
+          <p:cNvPr id="89" name="Text Placeholder 5_3"/>
+          <p:cNvSpPr/>
+          <p:nvPr/>
+        </p:nvSpPr>
+        <p:spPr>
+          <a:xfrm>
+            <a:off x="593640" y="1016640"/>
+            <a:ext cx="4568040" cy="443160"/>
+          </a:xfrm>
+          <a:prstGeom prst="rect">
+            <a:avLst/>
+          </a:prstGeom>
+          <a:noFill/>
+          <a:ln w="0">
+            <a:noFill/>
+          </a:ln>
+        </p:spPr>
+        <p:style>
+          <a:lnRef idx="0">
+            <a:scrgbClr r="0" g="0" b="0"/>
+          </a:lnRef>
+          <a:fillRef idx="0">
+            <a:scrgbClr r="0" g="0" b="0"/>
+          </a:fillRef>
+          <a:effectRef idx="0">
+            <a:scrgbClr r="0" g="0" b="0"/>
+          </a:effectRef>
+          <a:fontRef idx="minor"/>
+        </p:style>
+        <p:txBody>
+          <a:bodyPr lIns="0" tIns="0" rIns="0" bIns="0">
+            <a:noAutofit/>
+          </a:bodyPr>
+          <a:lstStyle/>
+          <a:p>
+            <a:pPr>
+              <a:lnSpc>
+                <a:spcPct val="100000"/>
+              </a:lnSpc>
+              <a:spcBef>
+                <a:spcPts val="1001"/>
+              </a:spcBef>
+              <a:spcAft>
+                <a:spcPts val="1001"/>
+              </a:spcAft>
+              <a:tabLst>
+                <a:tab pos="0" algn="l"/>
+              </a:tabLst>
+            </a:pPr>
+            <a:r>
+              <a:rPr lang="en-US" sz="4000" b="0" strike="noStrike" spc="-1">
+                <a:solidFill>
+                  <a:srgbClr val="FFFFFF"/>
+                </a:solidFill>
+                <a:latin typeface="Helvetica Neue Light"/>
+                <a:ea typeface="Helvetica Neue Light"/>
+              </a:rPr>
+              <a:t>Agenda</a:t>
+            </a:r>
+            <a:endParaRPr lang="fr-FR" sz="4000" b="0" strike="noStrike" spc="-1">
+              <a:latin typeface="Arial"/>
+            </a:endParaRPr>
+          </a:p>
+        </p:txBody>
+      </p:sp>
+      <p:sp>
+        <p:nvSpPr>
+          <p:cNvPr id="90" name="Rectangle 89"/>
+          <p:cNvSpPr/>
+          <p:nvPr/>
+        </p:nvSpPr>
+        <p:spPr>
+          <a:xfrm>
+            <a:off x="900000" y="2790000"/>
+            <a:ext cx="2398680" cy="1881000"/>
+          </a:xfrm>
+          <a:prstGeom prst="rect">
+            <a:avLst/>
+          </a:prstGeom>
+          <a:noFill/>
+          <a:ln w="0">
+            <a:noFill/>
+          </a:ln>
+        </p:spPr>
+        <p:style>
+          <a:lnRef idx="0">
+            <a:scrgbClr r="0" g="0" b="0"/>
+          </a:lnRef>
+          <a:fillRef idx="0">
+            <a:scrgbClr r="0" g="0" b="0"/>
+          </a:fillRef>
+          <a:effectRef idx="0">
+            <a:scrgbClr r="0" g="0" b="0"/>
+          </a:effectRef>
+          <a:fontRef idx="minor"/>
+        </p:style>
+      </p:sp>
+      <p:sp>
+        <p:nvSpPr>
+          <p:cNvPr id="91" name="Rectangle 90"/>
+          <p:cNvSpPr/>
+          <p:nvPr/>
+        </p:nvSpPr>
+        <p:spPr>
+          <a:xfrm>
+            <a:off x="968760" y="1912320"/>
+            <a:ext cx="5691240" cy="4747680"/>
+          </a:xfrm>
+          <a:prstGeom prst="rect">
+            <a:avLst/>
+          </a:prstGeom>
+          <a:noFill/>
+          <a:ln w="0">
+            <a:noFill/>
+          </a:ln>
+        </p:spPr>
+        <p:style>
+          <a:lnRef idx="0">
+            <a:scrgbClr r="0" g="0" b="0"/>
+          </a:lnRef>
+          <a:fillRef idx="0">
+            <a:scrgbClr r="0" g="0" b="0"/>
+          </a:fillRef>
+          <a:effectRef idx="0">
+            <a:scrgbClr r="0" g="0" b="0"/>
+          </a:effectRef>
+          <a:fontRef idx="minor"/>
+        </p:style>
+        <p:txBody>
+          <a:bodyPr lIns="90000" tIns="45000" rIns="90000" bIns="45000">
+            <a:noAutofit/>
+          </a:bodyPr>
+          <a:lstStyle/>
+          <a:p>
+            <a:pPr>
+              <a:lnSpc>
+                <a:spcPct val="100000"/>
+              </a:lnSpc>
+            </a:pPr>
+            <a:endParaRPr lang="fr-FR" sz="1800" b="0" strike="noStrike" spc="-1" dirty="0">
+              <a:solidFill>
+                <a:schemeClr val="bg1"/>
+              </a:solidFill>
+              <a:latin typeface="Arial"/>
+            </a:endParaRPr>
+          </a:p>
+          <a:p>
+            <a:pPr>
+              <a:lnSpc>
+                <a:spcPct val="100000"/>
+              </a:lnSpc>
+            </a:pPr>
+            <a:endParaRPr lang="fr-FR" sz="1800" b="0" strike="noStrike" spc="-1" dirty="0">
+              <a:solidFill>
+                <a:schemeClr val="bg1"/>
+              </a:solidFill>
+              <a:latin typeface="Arial"/>
+            </a:endParaRPr>
+          </a:p>
+        </p:txBody>
+      </p:sp>
+      <p:sp>
+        <p:nvSpPr>
+          <p:cNvPr id="2" name="ZoneTexte 1">
+            <a:extLst>
+              <a:ext uri="{FF2B5EF4-FFF2-40B4-BE49-F238E27FC236}">
+                <a16:creationId xmlns:a16="http://schemas.microsoft.com/office/drawing/2014/main" id="{D4345268-A0B3-4CC2-AC8B-B7EF18F91A75}"/>
+              </a:ext>
+            </a:extLst>
+          </p:cNvPr>
+          <p:cNvSpPr txBox="1"/>
+          <p:nvPr/>
+        </p:nvSpPr>
+        <p:spPr>
+          <a:xfrm>
+            <a:off x="1263192" y="2281287"/>
+            <a:ext cx="6058128" cy="3416320"/>
+          </a:xfrm>
+          <a:prstGeom prst="rect">
+            <a:avLst/>
+          </a:prstGeom>
+          <a:noFill/>
+        </p:spPr>
+        <p:txBody>
+          <a:bodyPr wrap="square" rtlCol="0">
+            <a:spAutoFit/>
+          </a:bodyPr>
+          <a:lstStyle/>
+          <a:p>
+            <a:r>
+              <a:rPr lang="fr-FR" dirty="0">
+                <a:solidFill>
+                  <a:schemeClr val="bg1"/>
+                </a:solidFill>
+              </a:rPr>
+              <a:t>HTTP</a:t>
+            </a:r>
+          </a:p>
+          <a:p>
+            <a:endParaRPr lang="fr-FR" dirty="0">
+              <a:solidFill>
+                <a:schemeClr val="bg1"/>
+              </a:solidFill>
+            </a:endParaRPr>
+          </a:p>
+          <a:p>
+            <a:r>
+              <a:rPr lang="fr-FR" dirty="0">
+                <a:solidFill>
+                  <a:schemeClr val="bg1"/>
+                </a:solidFill>
+              </a:rPr>
+              <a:t>Servlet</a:t>
+            </a:r>
+          </a:p>
+          <a:p>
+            <a:endParaRPr lang="fr-FR" dirty="0">
+              <a:solidFill>
+                <a:schemeClr val="bg1"/>
+              </a:solidFill>
+            </a:endParaRPr>
+          </a:p>
+          <a:p>
+            <a:r>
+              <a:rPr lang="fr-FR" dirty="0">
+                <a:solidFill>
+                  <a:schemeClr val="bg1"/>
+                </a:solidFill>
+              </a:rPr>
+              <a:t>Web.xml + </a:t>
+            </a:r>
+            <a:r>
+              <a:rPr lang="fr-FR" dirty="0" err="1">
+                <a:solidFill>
+                  <a:schemeClr val="bg1"/>
+                </a:solidFill>
+              </a:rPr>
+              <a:t>war</a:t>
+            </a:r>
+            <a:endParaRPr lang="fr-FR" dirty="0">
+              <a:solidFill>
+                <a:schemeClr val="bg1"/>
+              </a:solidFill>
+            </a:endParaRPr>
+          </a:p>
+          <a:p>
+            <a:endParaRPr lang="fr-FR" dirty="0">
+              <a:solidFill>
+                <a:schemeClr val="bg1"/>
+              </a:solidFill>
+            </a:endParaRPr>
+          </a:p>
+          <a:p>
+            <a:r>
+              <a:rPr lang="fr-FR" dirty="0">
+                <a:solidFill>
+                  <a:schemeClr val="bg1"/>
+                </a:solidFill>
+              </a:rPr>
+              <a:t>Tomcat</a:t>
+            </a:r>
+          </a:p>
+          <a:p>
+            <a:endParaRPr lang="fr-FR" dirty="0">
+              <a:solidFill>
+                <a:schemeClr val="bg1"/>
+              </a:solidFill>
+            </a:endParaRPr>
+          </a:p>
+          <a:p>
+            <a:r>
+              <a:rPr lang="fr-FR" dirty="0">
+                <a:solidFill>
+                  <a:schemeClr val="bg1"/>
+                </a:solidFill>
+              </a:rPr>
+              <a:t>Java config</a:t>
+            </a:r>
+          </a:p>
+          <a:p>
+            <a:endParaRPr lang="fr-FR" dirty="0">
+              <a:solidFill>
+                <a:schemeClr val="bg1"/>
+              </a:solidFill>
+            </a:endParaRPr>
+          </a:p>
+          <a:p>
+            <a:r>
+              <a:rPr lang="fr-FR" dirty="0">
+                <a:solidFill>
+                  <a:schemeClr val="bg1"/>
+                </a:solidFill>
+              </a:rPr>
+              <a:t>Spring boot</a:t>
+            </a:r>
+          </a:p>
+          <a:p>
+            <a:endParaRPr lang="fr-FR" dirty="0">
+              <a:solidFill>
+                <a:schemeClr val="bg1"/>
+              </a:solidFill>
+            </a:endParaRPr>
+          </a:p>
+        </p:txBody>
+      </p:sp>
+    </p:spTree>
+  </p:cSld>
+  <p:clrMapOvr>
+    <a:masterClrMapping/>
+  </p:clrMapOvr>
+  <p:transition spd="slow">
+    <p:push/>
+  </p:transition>
+</p:sld>
+</file>
+
+<file path=ppt/slides/slide20.xml><?xml version="1.0" encoding="utf-8"?>
 <p:sld xmlns:a="http://schemas.openxmlformats.org/drawingml/2006/main" xmlns:r="http://schemas.openxmlformats.org/officeDocument/2006/relationships" xmlns:p="http://schemas.openxmlformats.org/presentationml/2006/main">
   <p:cSld>
     <p:spTree>
@@ -17494,7 +20320,7 @@
 </p:sld>
 </file>
 
-<file path=ppt/slides/slide19.xml><?xml version="1.0" encoding="utf-8"?>
+<file path=ppt/slides/slide21.xml><?xml version="1.0" encoding="utf-8"?>
 <p:sld xmlns:a="http://schemas.openxmlformats.org/drawingml/2006/main" xmlns:r="http://schemas.openxmlformats.org/officeDocument/2006/relationships" xmlns:p="http://schemas.openxmlformats.org/presentationml/2006/main">
   <p:cSld>
     <p:spTree>
@@ -20086,507 +22912,6 @@
         <p14:creationId xmlns:p14="http://schemas.microsoft.com/office/powerpoint/2010/main" val="2031501329"/>
       </p:ext>
     </p:extLst>
-  </p:cSld>
-  <p:clrMapOvr>
-    <a:masterClrMapping/>
-  </p:clrMapOvr>
-  <p:transition spd="slow">
-    <p:push/>
-  </p:transition>
-</p:sld>
-</file>
-
-<file path=ppt/slides/slide2.xml><?xml version="1.0" encoding="utf-8"?>
-<p:sld xmlns:a="http://schemas.openxmlformats.org/drawingml/2006/main" xmlns:r="http://schemas.openxmlformats.org/officeDocument/2006/relationships" xmlns:p="http://schemas.openxmlformats.org/presentationml/2006/main">
-  <p:cSld>
-    <p:spTree>
-      <p:nvGrpSpPr>
-        <p:cNvPr id="1" name=""/>
-        <p:cNvGrpSpPr/>
-        <p:nvPr/>
-      </p:nvGrpSpPr>
-      <p:grpSpPr>
-        <a:xfrm>
-          <a:off x="0" y="0"/>
-          <a:ext cx="0" cy="0"/>
-          <a:chOff x="0" y="0"/>
-          <a:chExt cx="0" cy="0"/>
-        </a:xfrm>
-      </p:grpSpPr>
-      <p:pic>
-        <p:nvPicPr>
-          <p:cNvPr id="85" name="Image 84"/>
-          <p:cNvPicPr/>
-          <p:nvPr/>
-        </p:nvPicPr>
-        <p:blipFill>
-          <a:blip r:embed="rId2"/>
-          <a:stretch/>
-        </p:blipFill>
-        <p:spPr>
-          <a:xfrm>
-            <a:off x="3960000" y="-5400"/>
-            <a:ext cx="8214120" cy="6844680"/>
-          </a:xfrm>
-          <a:prstGeom prst="rect">
-            <a:avLst/>
-          </a:prstGeom>
-          <a:ln w="0">
-            <a:noFill/>
-          </a:ln>
-        </p:spPr>
-      </p:pic>
-      <p:sp>
-        <p:nvSpPr>
-          <p:cNvPr id="86" name="Content Placeholder 2_2"/>
-          <p:cNvSpPr/>
-          <p:nvPr/>
-        </p:nvSpPr>
-        <p:spPr>
-          <a:xfrm>
-            <a:off x="19080" y="3960"/>
-            <a:ext cx="12174120" cy="6853680"/>
-          </a:xfrm>
-          <a:prstGeom prst="rect">
-            <a:avLst/>
-          </a:prstGeom>
-          <a:gradFill rotWithShape="0">
-            <a:gsLst>
-              <a:gs pos="45000">
-                <a:srgbClr val="000000"/>
-              </a:gs>
-              <a:gs pos="100000">
-                <a:srgbClr val="000000">
-                  <a:alpha val="0"/>
-                </a:srgbClr>
-              </a:gs>
-            </a:gsLst>
-            <a:lin ang="600000"/>
-          </a:gradFill>
-          <a:ln w="0">
-            <a:noFill/>
-          </a:ln>
-        </p:spPr>
-        <p:style>
-          <a:lnRef idx="0">
-            <a:scrgbClr r="0" g="0" b="0"/>
-          </a:lnRef>
-          <a:fillRef idx="0">
-            <a:scrgbClr r="0" g="0" b="0"/>
-          </a:fillRef>
-          <a:effectRef idx="0">
-            <a:scrgbClr r="0" g="0" b="0"/>
-          </a:effectRef>
-          <a:fontRef idx="minor"/>
-        </p:style>
-        <p:txBody>
-          <a:bodyPr/>
-          <a:lstStyle/>
-          <a:p>
-            <a:endParaRPr lang="fr-FR" dirty="0"/>
-          </a:p>
-        </p:txBody>
-      </p:sp>
-      <p:sp>
-        <p:nvSpPr>
-          <p:cNvPr id="87" name="Content Placeholder 3_3"/>
-          <p:cNvSpPr/>
-          <p:nvPr/>
-        </p:nvSpPr>
-        <p:spPr>
-          <a:xfrm>
-            <a:off x="609480" y="685800"/>
-            <a:ext cx="748080" cy="120960"/>
-          </a:xfrm>
-          <a:prstGeom prst="rect">
-            <a:avLst/>
-          </a:prstGeom>
-          <a:solidFill>
-            <a:srgbClr val="FFFFFF"/>
-          </a:solidFill>
-          <a:ln w="0">
-            <a:noFill/>
-          </a:ln>
-        </p:spPr>
-        <p:style>
-          <a:lnRef idx="0">
-            <a:scrgbClr r="0" g="0" b="0"/>
-          </a:lnRef>
-          <a:fillRef idx="0">
-            <a:scrgbClr r="0" g="0" b="0"/>
-          </a:fillRef>
-          <a:effectRef idx="0">
-            <a:scrgbClr r="0" g="0" b="0"/>
-          </a:effectRef>
-          <a:fontRef idx="minor"/>
-        </p:style>
-      </p:sp>
-      <p:sp>
-        <p:nvSpPr>
-          <p:cNvPr id="88" name="Title 4_3"/>
-          <p:cNvSpPr/>
-          <p:nvPr/>
-        </p:nvSpPr>
-        <p:spPr>
-          <a:xfrm>
-            <a:off x="596880" y="1789200"/>
-            <a:ext cx="6780600" cy="4190040"/>
-          </a:xfrm>
-          <a:prstGeom prst="rect">
-            <a:avLst/>
-          </a:prstGeom>
-          <a:noFill/>
-          <a:ln w="0">
-            <a:noFill/>
-          </a:ln>
-        </p:spPr>
-        <p:style>
-          <a:lnRef idx="0">
-            <a:scrgbClr r="0" g="0" b="0"/>
-          </a:lnRef>
-          <a:fillRef idx="0">
-            <a:scrgbClr r="0" g="0" b="0"/>
-          </a:fillRef>
-          <a:effectRef idx="0">
-            <a:scrgbClr r="0" g="0" b="0"/>
-          </a:effectRef>
-          <a:fontRef idx="minor"/>
-        </p:style>
-        <p:txBody>
-          <a:bodyPr lIns="0" tIns="0" rIns="0" bIns="0">
-            <a:noAutofit/>
-          </a:bodyPr>
-          <a:lstStyle/>
-          <a:p>
-            <a:pPr>
-              <a:lnSpc>
-                <a:spcPct val="85000"/>
-              </a:lnSpc>
-            </a:pPr>
-            <a:endParaRPr lang="fr-FR" sz="1800" b="0" strike="noStrike" spc="-1">
-              <a:latin typeface="Arial"/>
-            </a:endParaRPr>
-          </a:p>
-          <a:p>
-            <a:pPr>
-              <a:lnSpc>
-                <a:spcPct val="85000"/>
-              </a:lnSpc>
-            </a:pPr>
-            <a:endParaRPr lang="fr-FR" sz="1800" b="0" strike="noStrike" spc="-1">
-              <a:latin typeface="Arial"/>
-            </a:endParaRPr>
-          </a:p>
-        </p:txBody>
-      </p:sp>
-      <p:sp>
-        <p:nvSpPr>
-          <p:cNvPr id="89" name="Text Placeholder 5_3"/>
-          <p:cNvSpPr/>
-          <p:nvPr/>
-        </p:nvSpPr>
-        <p:spPr>
-          <a:xfrm>
-            <a:off x="593640" y="1016640"/>
-            <a:ext cx="4568040" cy="443160"/>
-          </a:xfrm>
-          <a:prstGeom prst="rect">
-            <a:avLst/>
-          </a:prstGeom>
-          <a:noFill/>
-          <a:ln w="0">
-            <a:noFill/>
-          </a:ln>
-        </p:spPr>
-        <p:style>
-          <a:lnRef idx="0">
-            <a:scrgbClr r="0" g="0" b="0"/>
-          </a:lnRef>
-          <a:fillRef idx="0">
-            <a:scrgbClr r="0" g="0" b="0"/>
-          </a:fillRef>
-          <a:effectRef idx="0">
-            <a:scrgbClr r="0" g="0" b="0"/>
-          </a:effectRef>
-          <a:fontRef idx="minor"/>
-        </p:style>
-        <p:txBody>
-          <a:bodyPr lIns="0" tIns="0" rIns="0" bIns="0">
-            <a:noAutofit/>
-          </a:bodyPr>
-          <a:lstStyle/>
-          <a:p>
-            <a:pPr>
-              <a:lnSpc>
-                <a:spcPct val="100000"/>
-              </a:lnSpc>
-              <a:spcBef>
-                <a:spcPts val="1001"/>
-              </a:spcBef>
-              <a:spcAft>
-                <a:spcPts val="1001"/>
-              </a:spcAft>
-              <a:tabLst>
-                <a:tab pos="0" algn="l"/>
-              </a:tabLst>
-            </a:pPr>
-            <a:r>
-              <a:rPr lang="en-US" sz="4000" b="0" strike="noStrike" spc="-1">
-                <a:solidFill>
-                  <a:srgbClr val="FFFFFF"/>
-                </a:solidFill>
-                <a:latin typeface="Helvetica Neue Light"/>
-                <a:ea typeface="Helvetica Neue Light"/>
-              </a:rPr>
-              <a:t>Agenda</a:t>
-            </a:r>
-            <a:endParaRPr lang="fr-FR" sz="4000" b="0" strike="noStrike" spc="-1">
-              <a:latin typeface="Arial"/>
-            </a:endParaRPr>
-          </a:p>
-        </p:txBody>
-      </p:sp>
-      <p:sp>
-        <p:nvSpPr>
-          <p:cNvPr id="90" name="Rectangle 89"/>
-          <p:cNvSpPr/>
-          <p:nvPr/>
-        </p:nvSpPr>
-        <p:spPr>
-          <a:xfrm>
-            <a:off x="900000" y="2790000"/>
-            <a:ext cx="2398680" cy="1881000"/>
-          </a:xfrm>
-          <a:prstGeom prst="rect">
-            <a:avLst/>
-          </a:prstGeom>
-          <a:noFill/>
-          <a:ln w="0">
-            <a:noFill/>
-          </a:ln>
-        </p:spPr>
-        <p:style>
-          <a:lnRef idx="0">
-            <a:scrgbClr r="0" g="0" b="0"/>
-          </a:lnRef>
-          <a:fillRef idx="0">
-            <a:scrgbClr r="0" g="0" b="0"/>
-          </a:fillRef>
-          <a:effectRef idx="0">
-            <a:scrgbClr r="0" g="0" b="0"/>
-          </a:effectRef>
-          <a:fontRef idx="minor"/>
-        </p:style>
-      </p:sp>
-      <p:sp>
-        <p:nvSpPr>
-          <p:cNvPr id="91" name="Rectangle 90"/>
-          <p:cNvSpPr/>
-          <p:nvPr/>
-        </p:nvSpPr>
-        <p:spPr>
-          <a:xfrm>
-            <a:off x="968760" y="1912320"/>
-            <a:ext cx="5691240" cy="4747680"/>
-          </a:xfrm>
-          <a:prstGeom prst="rect">
-            <a:avLst/>
-          </a:prstGeom>
-          <a:noFill/>
-          <a:ln w="0">
-            <a:noFill/>
-          </a:ln>
-        </p:spPr>
-        <p:style>
-          <a:lnRef idx="0">
-            <a:scrgbClr r="0" g="0" b="0"/>
-          </a:lnRef>
-          <a:fillRef idx="0">
-            <a:scrgbClr r="0" g="0" b="0"/>
-          </a:fillRef>
-          <a:effectRef idx="0">
-            <a:scrgbClr r="0" g="0" b="0"/>
-          </a:effectRef>
-          <a:fontRef idx="minor"/>
-        </p:style>
-        <p:txBody>
-          <a:bodyPr lIns="90000" tIns="45000" rIns="90000" bIns="45000">
-            <a:noAutofit/>
-          </a:bodyPr>
-          <a:lstStyle/>
-          <a:p>
-            <a:pPr>
-              <a:lnSpc>
-                <a:spcPct val="100000"/>
-              </a:lnSpc>
-            </a:pPr>
-            <a:endParaRPr lang="fr-FR" sz="1800" b="0" strike="noStrike" spc="-1" dirty="0">
-              <a:solidFill>
-                <a:schemeClr val="bg1"/>
-              </a:solidFill>
-              <a:latin typeface="Arial"/>
-            </a:endParaRPr>
-          </a:p>
-          <a:p>
-            <a:pPr>
-              <a:lnSpc>
-                <a:spcPct val="100000"/>
-              </a:lnSpc>
-            </a:pPr>
-            <a:endParaRPr lang="fr-FR" sz="1800" b="0" strike="noStrike" spc="-1" dirty="0">
-              <a:solidFill>
-                <a:schemeClr val="bg1"/>
-              </a:solidFill>
-              <a:latin typeface="Arial"/>
-            </a:endParaRPr>
-          </a:p>
-        </p:txBody>
-      </p:sp>
-      <p:sp>
-        <p:nvSpPr>
-          <p:cNvPr id="2" name="ZoneTexte 1">
-            <a:extLst>
-              <a:ext uri="{FF2B5EF4-FFF2-40B4-BE49-F238E27FC236}">
-                <a16:creationId xmlns:a16="http://schemas.microsoft.com/office/drawing/2014/main" id="{D4345268-A0B3-4CC2-AC8B-B7EF18F91A75}"/>
-              </a:ext>
-            </a:extLst>
-          </p:cNvPr>
-          <p:cNvSpPr txBox="1"/>
-          <p:nvPr/>
-        </p:nvSpPr>
-        <p:spPr>
-          <a:xfrm>
-            <a:off x="1263192" y="2281287"/>
-            <a:ext cx="6058128" cy="3416320"/>
-          </a:xfrm>
-          <a:prstGeom prst="rect">
-            <a:avLst/>
-          </a:prstGeom>
-          <a:noFill/>
-        </p:spPr>
-        <p:txBody>
-          <a:bodyPr wrap="square" rtlCol="0">
-            <a:spAutoFit/>
-          </a:bodyPr>
-          <a:lstStyle/>
-          <a:p>
-            <a:r>
-              <a:rPr lang="fr-FR" dirty="0">
-                <a:solidFill>
-                  <a:schemeClr val="bg1"/>
-                </a:solidFill>
-              </a:rPr>
-              <a:t>HTTP</a:t>
-            </a:r>
-          </a:p>
-          <a:p>
-            <a:endParaRPr lang="fr-FR" dirty="0">
-              <a:solidFill>
-                <a:schemeClr val="bg1"/>
-              </a:solidFill>
-            </a:endParaRPr>
-          </a:p>
-          <a:p>
-            <a:r>
-              <a:rPr lang="fr-FR" dirty="0">
-                <a:solidFill>
-                  <a:schemeClr val="bg1"/>
-                </a:solidFill>
-              </a:rPr>
-              <a:t>Servlet</a:t>
-            </a:r>
-          </a:p>
-          <a:p>
-            <a:endParaRPr lang="fr-FR" dirty="0">
-              <a:solidFill>
-                <a:schemeClr val="bg1"/>
-              </a:solidFill>
-            </a:endParaRPr>
-          </a:p>
-          <a:p>
-            <a:r>
-              <a:rPr lang="fr-FR" dirty="0">
-                <a:solidFill>
-                  <a:schemeClr val="bg1"/>
-                </a:solidFill>
-              </a:rPr>
-              <a:t>Web.xml + </a:t>
-            </a:r>
-            <a:r>
-              <a:rPr lang="fr-FR" dirty="0" err="1">
-                <a:solidFill>
-                  <a:schemeClr val="bg1"/>
-                </a:solidFill>
-              </a:rPr>
-              <a:t>war</a:t>
-            </a:r>
-            <a:endParaRPr lang="fr-FR" dirty="0">
-              <a:solidFill>
-                <a:schemeClr val="bg1"/>
-              </a:solidFill>
-            </a:endParaRPr>
-          </a:p>
-          <a:p>
-            <a:endParaRPr lang="fr-FR" dirty="0">
-              <a:solidFill>
-                <a:schemeClr val="bg1"/>
-              </a:solidFill>
-            </a:endParaRPr>
-          </a:p>
-          <a:p>
-            <a:r>
-              <a:rPr lang="fr-FR" dirty="0">
-                <a:solidFill>
-                  <a:schemeClr val="bg1"/>
-                </a:solidFill>
-              </a:rPr>
-              <a:t>Tomcat</a:t>
-            </a:r>
-          </a:p>
-          <a:p>
-            <a:endParaRPr lang="fr-FR" dirty="0">
-              <a:solidFill>
-                <a:schemeClr val="bg1"/>
-              </a:solidFill>
-            </a:endParaRPr>
-          </a:p>
-          <a:p>
-            <a:r>
-              <a:rPr lang="fr-FR" dirty="0">
-                <a:solidFill>
-                  <a:schemeClr val="bg1"/>
-                </a:solidFill>
-              </a:rPr>
-              <a:t>Java config</a:t>
-            </a:r>
-          </a:p>
-          <a:p>
-            <a:endParaRPr lang="fr-FR" dirty="0">
-              <a:solidFill>
-                <a:schemeClr val="bg1"/>
-              </a:solidFill>
-            </a:endParaRPr>
-          </a:p>
-          <a:p>
-            <a:r>
-              <a:rPr lang="fr-FR" dirty="0">
-                <a:solidFill>
-                  <a:schemeClr val="bg1"/>
-                </a:solidFill>
-              </a:rPr>
-              <a:t>Spring boot</a:t>
-            </a:r>
-          </a:p>
-          <a:p>
-            <a:endParaRPr lang="fr-FR" dirty="0">
-              <a:solidFill>
-                <a:schemeClr val="bg1"/>
-              </a:solidFill>
-            </a:endParaRPr>
-          </a:p>
-        </p:txBody>
-      </p:sp>
-    </p:spTree>
   </p:cSld>
   <p:clrMapOvr>
     <a:masterClrMapping/>
